--- a/R Files/Figures/Figure 1 Flow Diagram.pptx
+++ b/R Files/Figures/Figure 1 Flow Diagram.pptx
@@ -243,7 +243,7 @@
           <a:p>
             <a:fld id="{F2287796-DBAD-45AF-9D4D-E32A71C3514E}" type="datetimeFigureOut">
               <a:rPr lang="en-US" smtClean="0"/>
-              <a:t>7/7/2021</a:t>
+              <a:t>3/3/2022</a:t>
             </a:fld>
             <a:endParaRPr lang="en-US"/>
           </a:p>
@@ -413,7 +413,7 @@
           <a:p>
             <a:fld id="{F2287796-DBAD-45AF-9D4D-E32A71C3514E}" type="datetimeFigureOut">
               <a:rPr lang="en-US" smtClean="0"/>
-              <a:t>7/7/2021</a:t>
+              <a:t>3/3/2022</a:t>
             </a:fld>
             <a:endParaRPr lang="en-US"/>
           </a:p>
@@ -593,7 +593,7 @@
           <a:p>
             <a:fld id="{F2287796-DBAD-45AF-9D4D-E32A71C3514E}" type="datetimeFigureOut">
               <a:rPr lang="en-US" smtClean="0"/>
-              <a:t>7/7/2021</a:t>
+              <a:t>3/3/2022</a:t>
             </a:fld>
             <a:endParaRPr lang="en-US"/>
           </a:p>
@@ -763,7 +763,7 @@
           <a:p>
             <a:fld id="{F2287796-DBAD-45AF-9D4D-E32A71C3514E}" type="datetimeFigureOut">
               <a:rPr lang="en-US" smtClean="0"/>
-              <a:t>7/7/2021</a:t>
+              <a:t>3/3/2022</a:t>
             </a:fld>
             <a:endParaRPr lang="en-US"/>
           </a:p>
@@ -1007,7 +1007,7 @@
           <a:p>
             <a:fld id="{F2287796-DBAD-45AF-9D4D-E32A71C3514E}" type="datetimeFigureOut">
               <a:rPr lang="en-US" smtClean="0"/>
-              <a:t>7/7/2021</a:t>
+              <a:t>3/3/2022</a:t>
             </a:fld>
             <a:endParaRPr lang="en-US"/>
           </a:p>
@@ -1239,7 +1239,7 @@
           <a:p>
             <a:fld id="{F2287796-DBAD-45AF-9D4D-E32A71C3514E}" type="datetimeFigureOut">
               <a:rPr lang="en-US" smtClean="0"/>
-              <a:t>7/7/2021</a:t>
+              <a:t>3/3/2022</a:t>
             </a:fld>
             <a:endParaRPr lang="en-US"/>
           </a:p>
@@ -1606,7 +1606,7 @@
           <a:p>
             <a:fld id="{F2287796-DBAD-45AF-9D4D-E32A71C3514E}" type="datetimeFigureOut">
               <a:rPr lang="en-US" smtClean="0"/>
-              <a:t>7/7/2021</a:t>
+              <a:t>3/3/2022</a:t>
             </a:fld>
             <a:endParaRPr lang="en-US"/>
           </a:p>
@@ -1724,7 +1724,7 @@
           <a:p>
             <a:fld id="{F2287796-DBAD-45AF-9D4D-E32A71C3514E}" type="datetimeFigureOut">
               <a:rPr lang="en-US" smtClean="0"/>
-              <a:t>7/7/2021</a:t>
+              <a:t>3/3/2022</a:t>
             </a:fld>
             <a:endParaRPr lang="en-US"/>
           </a:p>
@@ -1819,7 +1819,7 @@
           <a:p>
             <a:fld id="{F2287796-DBAD-45AF-9D4D-E32A71C3514E}" type="datetimeFigureOut">
               <a:rPr lang="en-US" smtClean="0"/>
-              <a:t>7/7/2021</a:t>
+              <a:t>3/3/2022</a:t>
             </a:fld>
             <a:endParaRPr lang="en-US"/>
           </a:p>
@@ -2096,7 +2096,7 @@
           <a:p>
             <a:fld id="{F2287796-DBAD-45AF-9D4D-E32A71C3514E}" type="datetimeFigureOut">
               <a:rPr lang="en-US" smtClean="0"/>
-              <a:t>7/7/2021</a:t>
+              <a:t>3/3/2022</a:t>
             </a:fld>
             <a:endParaRPr lang="en-US"/>
           </a:p>
@@ -2353,7 +2353,7 @@
           <a:p>
             <a:fld id="{F2287796-DBAD-45AF-9D4D-E32A71C3514E}" type="datetimeFigureOut">
               <a:rPr lang="en-US" smtClean="0"/>
-              <a:t>7/7/2021</a:t>
+              <a:t>3/3/2022</a:t>
             </a:fld>
             <a:endParaRPr lang="en-US"/>
           </a:p>
@@ -2566,7 +2566,7 @@
           <a:p>
             <a:fld id="{F2287796-DBAD-45AF-9D4D-E32A71C3514E}" type="datetimeFigureOut">
               <a:rPr lang="en-US" smtClean="0"/>
-              <a:t>7/7/2021</a:t>
+              <a:t>3/3/2022</a:t>
             </a:fld>
             <a:endParaRPr lang="en-US"/>
           </a:p>
@@ -4856,7 +4856,7 @@
           <a:p>
             <a:r>
               <a:rPr lang="en-US" dirty="0"/>
-              <a:t>N = 80</a:t>
+              <a:t>N = 72</a:t>
             </a:r>
           </a:p>
         </p:txBody>
@@ -5254,7 +5254,7 @@
           <a:p>
             <a:r>
               <a:rPr lang="en-US" dirty="0"/>
-              <a:t>N = 150</a:t>
+              <a:t>N = 158</a:t>
             </a:r>
           </a:p>
         </p:txBody>

--- a/R Files/Figures/Figure 1 Flow Diagram.pptx
+++ b/R Files/Figures/Figure 1 Flow Diagram.pptx
@@ -243,7 +243,7 @@
           <a:p>
             <a:fld id="{F2287796-DBAD-45AF-9D4D-E32A71C3514E}" type="datetimeFigureOut">
               <a:rPr lang="en-US" smtClean="0"/>
-              <a:t>3/3/2022</a:t>
+              <a:t>9/24/2023</a:t>
             </a:fld>
             <a:endParaRPr lang="en-US"/>
           </a:p>
@@ -413,7 +413,7 @@
           <a:p>
             <a:fld id="{F2287796-DBAD-45AF-9D4D-E32A71C3514E}" type="datetimeFigureOut">
               <a:rPr lang="en-US" smtClean="0"/>
-              <a:t>3/3/2022</a:t>
+              <a:t>9/24/2023</a:t>
             </a:fld>
             <a:endParaRPr lang="en-US"/>
           </a:p>
@@ -593,7 +593,7 @@
           <a:p>
             <a:fld id="{F2287796-DBAD-45AF-9D4D-E32A71C3514E}" type="datetimeFigureOut">
               <a:rPr lang="en-US" smtClean="0"/>
-              <a:t>3/3/2022</a:t>
+              <a:t>9/24/2023</a:t>
             </a:fld>
             <a:endParaRPr lang="en-US"/>
           </a:p>
@@ -763,7 +763,7 @@
           <a:p>
             <a:fld id="{F2287796-DBAD-45AF-9D4D-E32A71C3514E}" type="datetimeFigureOut">
               <a:rPr lang="en-US" smtClean="0"/>
-              <a:t>3/3/2022</a:t>
+              <a:t>9/24/2023</a:t>
             </a:fld>
             <a:endParaRPr lang="en-US"/>
           </a:p>
@@ -1007,7 +1007,7 @@
           <a:p>
             <a:fld id="{F2287796-DBAD-45AF-9D4D-E32A71C3514E}" type="datetimeFigureOut">
               <a:rPr lang="en-US" smtClean="0"/>
-              <a:t>3/3/2022</a:t>
+              <a:t>9/24/2023</a:t>
             </a:fld>
             <a:endParaRPr lang="en-US"/>
           </a:p>
@@ -1239,7 +1239,7 @@
           <a:p>
             <a:fld id="{F2287796-DBAD-45AF-9D4D-E32A71C3514E}" type="datetimeFigureOut">
               <a:rPr lang="en-US" smtClean="0"/>
-              <a:t>3/3/2022</a:t>
+              <a:t>9/24/2023</a:t>
             </a:fld>
             <a:endParaRPr lang="en-US"/>
           </a:p>
@@ -1606,7 +1606,7 @@
           <a:p>
             <a:fld id="{F2287796-DBAD-45AF-9D4D-E32A71C3514E}" type="datetimeFigureOut">
               <a:rPr lang="en-US" smtClean="0"/>
-              <a:t>3/3/2022</a:t>
+              <a:t>9/24/2023</a:t>
             </a:fld>
             <a:endParaRPr lang="en-US"/>
           </a:p>
@@ -1724,7 +1724,7 @@
           <a:p>
             <a:fld id="{F2287796-DBAD-45AF-9D4D-E32A71C3514E}" type="datetimeFigureOut">
               <a:rPr lang="en-US" smtClean="0"/>
-              <a:t>3/3/2022</a:t>
+              <a:t>9/24/2023</a:t>
             </a:fld>
             <a:endParaRPr lang="en-US"/>
           </a:p>
@@ -1819,7 +1819,7 @@
           <a:p>
             <a:fld id="{F2287796-DBAD-45AF-9D4D-E32A71C3514E}" type="datetimeFigureOut">
               <a:rPr lang="en-US" smtClean="0"/>
-              <a:t>3/3/2022</a:t>
+              <a:t>9/24/2023</a:t>
             </a:fld>
             <a:endParaRPr lang="en-US"/>
           </a:p>
@@ -2096,7 +2096,7 @@
           <a:p>
             <a:fld id="{F2287796-DBAD-45AF-9D4D-E32A71C3514E}" type="datetimeFigureOut">
               <a:rPr lang="en-US" smtClean="0"/>
-              <a:t>3/3/2022</a:t>
+              <a:t>9/24/2023</a:t>
             </a:fld>
             <a:endParaRPr lang="en-US"/>
           </a:p>
@@ -2353,7 +2353,7 @@
           <a:p>
             <a:fld id="{F2287796-DBAD-45AF-9D4D-E32A71C3514E}" type="datetimeFigureOut">
               <a:rPr lang="en-US" smtClean="0"/>
-              <a:t>3/3/2022</a:t>
+              <a:t>9/24/2023</a:t>
             </a:fld>
             <a:endParaRPr lang="en-US"/>
           </a:p>
@@ -2566,7 +2566,7 @@
           <a:p>
             <a:fld id="{F2287796-DBAD-45AF-9D4D-E32A71C3514E}" type="datetimeFigureOut">
               <a:rPr lang="en-US" smtClean="0"/>
-              <a:t>3/3/2022</a:t>
+              <a:t>9/24/2023</a:t>
             </a:fld>
             <a:endParaRPr lang="en-US"/>
           </a:p>
@@ -4856,8 +4856,13 @@
           <a:p>
             <a:r>
               <a:rPr lang="en-US" dirty="0"/>
-              <a:t>N = 72</a:t>
-            </a:r>
+              <a:t>N </a:t>
+            </a:r>
+            <a:r>
+              <a:rPr lang="en-US"/>
+              <a:t>= 70</a:t>
+            </a:r>
+            <a:endParaRPr lang="en-US" dirty="0"/>
           </a:p>
         </p:txBody>
       </p:sp>
@@ -5254,7 +5259,7 @@
           <a:p>
             <a:r>
               <a:rPr lang="en-US" dirty="0"/>
-              <a:t>N = 158</a:t>
+              <a:t>N = 160</a:t>
             </a:r>
           </a:p>
         </p:txBody>

--- a/R Files/Figures/Figure 1 Flow Diagram.pptx
+++ b/R Files/Figures/Figure 1 Flow Diagram.pptx
@@ -243,7 +243,7 @@
           <a:p>
             <a:fld id="{F2287796-DBAD-45AF-9D4D-E32A71C3514E}" type="datetimeFigureOut">
               <a:rPr lang="en-US" smtClean="0"/>
-              <a:t>9/24/2023</a:t>
+              <a:t>9/10/2024</a:t>
             </a:fld>
             <a:endParaRPr lang="en-US"/>
           </a:p>
@@ -413,7 +413,7 @@
           <a:p>
             <a:fld id="{F2287796-DBAD-45AF-9D4D-E32A71C3514E}" type="datetimeFigureOut">
               <a:rPr lang="en-US" smtClean="0"/>
-              <a:t>9/24/2023</a:t>
+              <a:t>9/10/2024</a:t>
             </a:fld>
             <a:endParaRPr lang="en-US"/>
           </a:p>
@@ -593,7 +593,7 @@
           <a:p>
             <a:fld id="{F2287796-DBAD-45AF-9D4D-E32A71C3514E}" type="datetimeFigureOut">
               <a:rPr lang="en-US" smtClean="0"/>
-              <a:t>9/24/2023</a:t>
+              <a:t>9/10/2024</a:t>
             </a:fld>
             <a:endParaRPr lang="en-US"/>
           </a:p>
@@ -763,7 +763,7 @@
           <a:p>
             <a:fld id="{F2287796-DBAD-45AF-9D4D-E32A71C3514E}" type="datetimeFigureOut">
               <a:rPr lang="en-US" smtClean="0"/>
-              <a:t>9/24/2023</a:t>
+              <a:t>9/10/2024</a:t>
             </a:fld>
             <a:endParaRPr lang="en-US"/>
           </a:p>
@@ -1007,7 +1007,7 @@
           <a:p>
             <a:fld id="{F2287796-DBAD-45AF-9D4D-E32A71C3514E}" type="datetimeFigureOut">
               <a:rPr lang="en-US" smtClean="0"/>
-              <a:t>9/24/2023</a:t>
+              <a:t>9/10/2024</a:t>
             </a:fld>
             <a:endParaRPr lang="en-US"/>
           </a:p>
@@ -1239,7 +1239,7 @@
           <a:p>
             <a:fld id="{F2287796-DBAD-45AF-9D4D-E32A71C3514E}" type="datetimeFigureOut">
               <a:rPr lang="en-US" smtClean="0"/>
-              <a:t>9/24/2023</a:t>
+              <a:t>9/10/2024</a:t>
             </a:fld>
             <a:endParaRPr lang="en-US"/>
           </a:p>
@@ -1606,7 +1606,7 @@
           <a:p>
             <a:fld id="{F2287796-DBAD-45AF-9D4D-E32A71C3514E}" type="datetimeFigureOut">
               <a:rPr lang="en-US" smtClean="0"/>
-              <a:t>9/24/2023</a:t>
+              <a:t>9/10/2024</a:t>
             </a:fld>
             <a:endParaRPr lang="en-US"/>
           </a:p>
@@ -1724,7 +1724,7 @@
           <a:p>
             <a:fld id="{F2287796-DBAD-45AF-9D4D-E32A71C3514E}" type="datetimeFigureOut">
               <a:rPr lang="en-US" smtClean="0"/>
-              <a:t>9/24/2023</a:t>
+              <a:t>9/10/2024</a:t>
             </a:fld>
             <a:endParaRPr lang="en-US"/>
           </a:p>
@@ -1819,7 +1819,7 @@
           <a:p>
             <a:fld id="{F2287796-DBAD-45AF-9D4D-E32A71C3514E}" type="datetimeFigureOut">
               <a:rPr lang="en-US" smtClean="0"/>
-              <a:t>9/24/2023</a:t>
+              <a:t>9/10/2024</a:t>
             </a:fld>
             <a:endParaRPr lang="en-US"/>
           </a:p>
@@ -2096,7 +2096,7 @@
           <a:p>
             <a:fld id="{F2287796-DBAD-45AF-9D4D-E32A71C3514E}" type="datetimeFigureOut">
               <a:rPr lang="en-US" smtClean="0"/>
-              <a:t>9/24/2023</a:t>
+              <a:t>9/10/2024</a:t>
             </a:fld>
             <a:endParaRPr lang="en-US"/>
           </a:p>
@@ -2353,7 +2353,7 @@
           <a:p>
             <a:fld id="{F2287796-DBAD-45AF-9D4D-E32A71C3514E}" type="datetimeFigureOut">
               <a:rPr lang="en-US" smtClean="0"/>
-              <a:t>9/24/2023</a:t>
+              <a:t>9/10/2024</a:t>
             </a:fld>
             <a:endParaRPr lang="en-US"/>
           </a:p>
@@ -2566,7 +2566,7 @@
           <a:p>
             <a:fld id="{F2287796-DBAD-45AF-9D4D-E32A71C3514E}" type="datetimeFigureOut">
               <a:rPr lang="en-US" smtClean="0"/>
-              <a:t>9/24/2023</a:t>
+              <a:t>9/10/2024</a:t>
             </a:fld>
             <a:endParaRPr lang="en-US"/>
           </a:p>
@@ -3068,19 +3068,19 @@
         </p:style>
         <p:txBody>
           <a:bodyPr>
-            <a:normAutofit fontScale="92500"/>
+            <a:normAutofit/>
           </a:bodyPr>
           <a:lstStyle/>
           <a:p>
             <a:r>
               <a:rPr lang="en-US" dirty="0"/>
-              <a:t>Web of Science (1900 -  September 2020)</a:t>
+              <a:t>Web of Science (1900 -  August 2024)</a:t>
             </a:r>
           </a:p>
           <a:p>
             <a:r>
               <a:rPr lang="en-US" dirty="0"/>
-              <a:t>N = 751</a:t>
+              <a:t>N = 1162</a:t>
             </a:r>
           </a:p>
         </p:txBody>
@@ -4077,7 +4077,7 @@
           <a:p>
             <a:r>
               <a:rPr lang="en-US" dirty="0"/>
-              <a:t>N = 230 </a:t>
+              <a:t>N = 264 </a:t>
             </a:r>
           </a:p>
         </p:txBody>
@@ -4345,7 +4345,7 @@
           <a:p>
             <a:r>
               <a:rPr lang="en-US" dirty="0"/>
-              <a:t>N = 197</a:t>
+              <a:t>N = 201</a:t>
             </a:r>
           </a:p>
           <a:p>
@@ -4357,7 +4357,7 @@
           <a:p>
             <a:r>
               <a:rPr lang="en-US" dirty="0"/>
-              <a:t>N = 324</a:t>
+              <a:t>N = 697</a:t>
             </a:r>
           </a:p>
         </p:txBody>
@@ -4856,13 +4856,8 @@
           <a:p>
             <a:r>
               <a:rPr lang="en-US" dirty="0"/>
-              <a:t>N </a:t>
-            </a:r>
-            <a:r>
-              <a:rPr lang="en-US"/>
-              <a:t>= 70</a:t>
-            </a:r>
-            <a:endParaRPr lang="en-US" dirty="0"/>
+              <a:t>N = 75</a:t>
+            </a:r>
           </a:p>
         </p:txBody>
       </p:sp>
@@ -5259,7 +5254,7 @@
           <a:p>
             <a:r>
               <a:rPr lang="en-US" dirty="0"/>
-              <a:t>N = 160</a:t>
+              <a:t>N = 189</a:t>
             </a:r>
           </a:p>
         </p:txBody>

--- a/R Files/Figures/Figure 1 Flow Diagram.pptx
+++ b/R Files/Figures/Figure 1 Flow Diagram.pptx
@@ -5,7 +5,7 @@
     <p:sldMasterId id="2147483660" r:id="rId1"/>
   </p:sldMasterIdLst>
   <p:sldIdLst>
-    <p:sldId id="256" r:id="rId2"/>
+    <p:sldId id="258" r:id="rId2"/>
   </p:sldIdLst>
   <p:sldSz cx="6858000" cy="12192000"/>
   <p:notesSz cx="6858000" cy="9144000"/>
@@ -243,7 +243,7 @@
           <a:p>
             <a:fld id="{F2287796-DBAD-45AF-9D4D-E32A71C3514E}" type="datetimeFigureOut">
               <a:rPr lang="en-US" smtClean="0"/>
-              <a:t>9/10/2024</a:t>
+              <a:t>10/24/2024</a:t>
             </a:fld>
             <a:endParaRPr lang="en-US"/>
           </a:p>
@@ -413,7 +413,7 @@
           <a:p>
             <a:fld id="{F2287796-DBAD-45AF-9D4D-E32A71C3514E}" type="datetimeFigureOut">
               <a:rPr lang="en-US" smtClean="0"/>
-              <a:t>9/10/2024</a:t>
+              <a:t>10/24/2024</a:t>
             </a:fld>
             <a:endParaRPr lang="en-US"/>
           </a:p>
@@ -593,7 +593,7 @@
           <a:p>
             <a:fld id="{F2287796-DBAD-45AF-9D4D-E32A71C3514E}" type="datetimeFigureOut">
               <a:rPr lang="en-US" smtClean="0"/>
-              <a:t>9/10/2024</a:t>
+              <a:t>10/24/2024</a:t>
             </a:fld>
             <a:endParaRPr lang="en-US"/>
           </a:p>
@@ -763,7 +763,7 @@
           <a:p>
             <a:fld id="{F2287796-DBAD-45AF-9D4D-E32A71C3514E}" type="datetimeFigureOut">
               <a:rPr lang="en-US" smtClean="0"/>
-              <a:t>9/10/2024</a:t>
+              <a:t>10/24/2024</a:t>
             </a:fld>
             <a:endParaRPr lang="en-US"/>
           </a:p>
@@ -1007,7 +1007,7 @@
           <a:p>
             <a:fld id="{F2287796-DBAD-45AF-9D4D-E32A71C3514E}" type="datetimeFigureOut">
               <a:rPr lang="en-US" smtClean="0"/>
-              <a:t>9/10/2024</a:t>
+              <a:t>10/24/2024</a:t>
             </a:fld>
             <a:endParaRPr lang="en-US"/>
           </a:p>
@@ -1239,7 +1239,7 @@
           <a:p>
             <a:fld id="{F2287796-DBAD-45AF-9D4D-E32A71C3514E}" type="datetimeFigureOut">
               <a:rPr lang="en-US" smtClean="0"/>
-              <a:t>9/10/2024</a:t>
+              <a:t>10/24/2024</a:t>
             </a:fld>
             <a:endParaRPr lang="en-US"/>
           </a:p>
@@ -1606,7 +1606,7 @@
           <a:p>
             <a:fld id="{F2287796-DBAD-45AF-9D4D-E32A71C3514E}" type="datetimeFigureOut">
               <a:rPr lang="en-US" smtClean="0"/>
-              <a:t>9/10/2024</a:t>
+              <a:t>10/24/2024</a:t>
             </a:fld>
             <a:endParaRPr lang="en-US"/>
           </a:p>
@@ -1724,7 +1724,7 @@
           <a:p>
             <a:fld id="{F2287796-DBAD-45AF-9D4D-E32A71C3514E}" type="datetimeFigureOut">
               <a:rPr lang="en-US" smtClean="0"/>
-              <a:t>9/10/2024</a:t>
+              <a:t>10/24/2024</a:t>
             </a:fld>
             <a:endParaRPr lang="en-US"/>
           </a:p>
@@ -1819,7 +1819,7 @@
           <a:p>
             <a:fld id="{F2287796-DBAD-45AF-9D4D-E32A71C3514E}" type="datetimeFigureOut">
               <a:rPr lang="en-US" smtClean="0"/>
-              <a:t>9/10/2024</a:t>
+              <a:t>10/24/2024</a:t>
             </a:fld>
             <a:endParaRPr lang="en-US"/>
           </a:p>
@@ -2096,7 +2096,7 @@
           <a:p>
             <a:fld id="{F2287796-DBAD-45AF-9D4D-E32A71C3514E}" type="datetimeFigureOut">
               <a:rPr lang="en-US" smtClean="0"/>
-              <a:t>9/10/2024</a:t>
+              <a:t>10/24/2024</a:t>
             </a:fld>
             <a:endParaRPr lang="en-US"/>
           </a:p>
@@ -2353,7 +2353,7 @@
           <a:p>
             <a:fld id="{F2287796-DBAD-45AF-9D4D-E32A71C3514E}" type="datetimeFigureOut">
               <a:rPr lang="en-US" smtClean="0"/>
-              <a:t>9/10/2024</a:t>
+              <a:t>10/24/2024</a:t>
             </a:fld>
             <a:endParaRPr lang="en-US"/>
           </a:p>
@@ -2566,7 +2566,7 @@
           <a:p>
             <a:fld id="{F2287796-DBAD-45AF-9D4D-E32A71C3514E}" type="datetimeFigureOut">
               <a:rPr lang="en-US" smtClean="0"/>
-              <a:t>9/10/2024</a:t>
+              <a:t>10/24/2024</a:t>
             </a:fld>
             <a:endParaRPr lang="en-US"/>
           </a:p>
@@ -2985,8 +2985,8 @@
         </p:nvSpPr>
         <p:spPr>
           <a:xfrm>
-            <a:off x="127221" y="79513"/>
-            <a:ext cx="6647290" cy="1525704"/>
+            <a:off x="101207" y="79513"/>
+            <a:ext cx="6673304" cy="1525704"/>
           </a:xfrm>
           <a:prstGeom prst="rect">
             <a:avLst/>
@@ -3045,8 +3045,8 @@
         </p:nvSpPr>
         <p:spPr>
           <a:xfrm>
-            <a:off x="1202485" y="466241"/>
-            <a:ext cx="3832030" cy="752248"/>
+            <a:off x="1118900" y="339445"/>
+            <a:ext cx="2295144" cy="1005840"/>
           </a:xfrm>
           <a:solidFill>
             <a:schemeClr val="bg1"/>
@@ -3068,19 +3068,25 @@
         </p:style>
         <p:txBody>
           <a:bodyPr>
-            <a:normAutofit/>
+            <a:normAutofit lnSpcReduction="10000"/>
           </a:bodyPr>
           <a:lstStyle/>
           <a:p>
             <a:r>
               <a:rPr lang="en-US" dirty="0"/>
-              <a:t>Web of Science (1900 -  August 2024)</a:t>
+              <a:t>Web of Science </a:t>
             </a:r>
           </a:p>
           <a:p>
             <a:r>
               <a:rPr lang="en-US" dirty="0"/>
-              <a:t>N = 1162</a:t>
+              <a:t>(1900 - August 2024)</a:t>
+            </a:r>
+          </a:p>
+          <a:p>
+            <a:r>
+              <a:rPr lang="en-US" dirty="0"/>
+              <a:t>N = 1,162</a:t>
             </a:r>
           </a:p>
         </p:txBody>
@@ -3099,8 +3105,8 @@
         </p:nvSpPr>
         <p:spPr>
           <a:xfrm>
-            <a:off x="127220" y="1645628"/>
-            <a:ext cx="6647290" cy="2837155"/>
+            <a:off x="101206" y="1645628"/>
+            <a:ext cx="6673304" cy="2837155"/>
           </a:xfrm>
           <a:prstGeom prst="rect">
             <a:avLst/>
@@ -3155,8 +3161,8 @@
         </p:nvSpPr>
         <p:spPr>
           <a:xfrm>
-            <a:off x="127221" y="4519932"/>
-            <a:ext cx="6647290" cy="5985035"/>
+            <a:off x="101207" y="4519933"/>
+            <a:ext cx="6673303" cy="6371906"/>
           </a:xfrm>
           <a:prstGeom prst="rect">
             <a:avLst/>
@@ -3193,7 +3199,7 @@
           <a:lstStyle/>
           <a:p>
             <a:pPr algn="ctr"/>
-            <a:endParaRPr lang="en-US"/>
+            <a:endParaRPr lang="en-US" dirty="0"/>
           </a:p>
         </p:txBody>
       </p:sp>
@@ -3862,508 +3868,6 @@
       </p:sp>
       <p:sp>
         <p:nvSpPr>
-          <p:cNvPr id="12" name="Subtitle 2">
-            <a:extLst>
-              <a:ext uri="{FF2B5EF4-FFF2-40B4-BE49-F238E27FC236}">
-                <a16:creationId xmlns:a16="http://schemas.microsoft.com/office/drawing/2014/main" id="{CE219B68-2670-4CCF-8A61-1B809A7C5192}"/>
-              </a:ext>
-            </a:extLst>
-          </p:cNvPr>
-          <p:cNvSpPr txBox="1">
-            <a:spLocks/>
-          </p:cNvSpPr>
-          <p:nvPr/>
-        </p:nvSpPr>
-        <p:spPr>
-          <a:xfrm>
-            <a:off x="1202485" y="4818116"/>
-            <a:ext cx="3832029" cy="752248"/>
-          </a:xfrm>
-          <a:prstGeom prst="rect">
-            <a:avLst/>
-          </a:prstGeom>
-          <a:solidFill>
-            <a:schemeClr val="bg1"/>
-          </a:solidFill>
-        </p:spPr>
-        <p:style>
-          <a:lnRef idx="2">
-            <a:schemeClr val="dk1"/>
-          </a:lnRef>
-          <a:fillRef idx="1">
-            <a:schemeClr val="lt1"/>
-          </a:fillRef>
-          <a:effectRef idx="0">
-            <a:schemeClr val="dk1"/>
-          </a:effectRef>
-          <a:fontRef idx="minor">
-            <a:schemeClr val="dk1"/>
-          </a:fontRef>
-        </p:style>
-        <p:txBody>
-          <a:bodyPr vert="horz" lIns="91440" tIns="45720" rIns="91440" bIns="45720" rtlCol="0">
-            <a:normAutofit/>
-          </a:bodyPr>
-          <a:lstStyle>
-            <a:lvl1pPr marL="0" indent="0" algn="ctr" defTabSz="685800" rtl="0" eaLnBrk="1" latinLnBrk="0" hangingPunct="1">
-              <a:lnSpc>
-                <a:spcPct val="90000"/>
-              </a:lnSpc>
-              <a:spcBef>
-                <a:spcPts val="750"/>
-              </a:spcBef>
-              <a:buFont typeface="Arial" panose="020B0604020202020204" pitchFamily="34" charset="0"/>
-              <a:buNone/>
-              <a:defRPr sz="1800" kern="1200">
-                <a:solidFill>
-                  <a:schemeClr val="dk1"/>
-                </a:solidFill>
-                <a:latin typeface="+mn-lt"/>
-                <a:ea typeface="+mn-ea"/>
-                <a:cs typeface="+mn-cs"/>
-              </a:defRPr>
-            </a:lvl1pPr>
-            <a:lvl2pPr marL="342900" indent="0" algn="ctr" defTabSz="685800" rtl="0" eaLnBrk="1" latinLnBrk="0" hangingPunct="1">
-              <a:lnSpc>
-                <a:spcPct val="90000"/>
-              </a:lnSpc>
-              <a:spcBef>
-                <a:spcPts val="375"/>
-              </a:spcBef>
-              <a:buFont typeface="Arial" panose="020B0604020202020204" pitchFamily="34" charset="0"/>
-              <a:buNone/>
-              <a:defRPr sz="1500" kern="1200">
-                <a:solidFill>
-                  <a:schemeClr val="dk1"/>
-                </a:solidFill>
-                <a:latin typeface="+mn-lt"/>
-                <a:ea typeface="+mn-ea"/>
-                <a:cs typeface="+mn-cs"/>
-              </a:defRPr>
-            </a:lvl2pPr>
-            <a:lvl3pPr marL="685800" indent="0" algn="ctr" defTabSz="685800" rtl="0" eaLnBrk="1" latinLnBrk="0" hangingPunct="1">
-              <a:lnSpc>
-                <a:spcPct val="90000"/>
-              </a:lnSpc>
-              <a:spcBef>
-                <a:spcPts val="375"/>
-              </a:spcBef>
-              <a:buFont typeface="Arial" panose="020B0604020202020204" pitchFamily="34" charset="0"/>
-              <a:buNone/>
-              <a:defRPr sz="1350" kern="1200">
-                <a:solidFill>
-                  <a:schemeClr val="dk1"/>
-                </a:solidFill>
-                <a:latin typeface="+mn-lt"/>
-                <a:ea typeface="+mn-ea"/>
-                <a:cs typeface="+mn-cs"/>
-              </a:defRPr>
-            </a:lvl3pPr>
-            <a:lvl4pPr marL="1028700" indent="0" algn="ctr" defTabSz="685800" rtl="0" eaLnBrk="1" latinLnBrk="0" hangingPunct="1">
-              <a:lnSpc>
-                <a:spcPct val="90000"/>
-              </a:lnSpc>
-              <a:spcBef>
-                <a:spcPts val="375"/>
-              </a:spcBef>
-              <a:buFont typeface="Arial" panose="020B0604020202020204" pitchFamily="34" charset="0"/>
-              <a:buNone/>
-              <a:defRPr sz="1200" kern="1200">
-                <a:solidFill>
-                  <a:schemeClr val="dk1"/>
-                </a:solidFill>
-                <a:latin typeface="+mn-lt"/>
-                <a:ea typeface="+mn-ea"/>
-                <a:cs typeface="+mn-cs"/>
-              </a:defRPr>
-            </a:lvl4pPr>
-            <a:lvl5pPr marL="1371600" indent="0" algn="ctr" defTabSz="685800" rtl="0" eaLnBrk="1" latinLnBrk="0" hangingPunct="1">
-              <a:lnSpc>
-                <a:spcPct val="90000"/>
-              </a:lnSpc>
-              <a:spcBef>
-                <a:spcPts val="375"/>
-              </a:spcBef>
-              <a:buFont typeface="Arial" panose="020B0604020202020204" pitchFamily="34" charset="0"/>
-              <a:buNone/>
-              <a:defRPr sz="1200" kern="1200">
-                <a:solidFill>
-                  <a:schemeClr val="dk1"/>
-                </a:solidFill>
-                <a:latin typeface="+mn-lt"/>
-                <a:ea typeface="+mn-ea"/>
-                <a:cs typeface="+mn-cs"/>
-              </a:defRPr>
-            </a:lvl5pPr>
-            <a:lvl6pPr marL="1714500" indent="0" algn="ctr" defTabSz="685800" rtl="0" eaLnBrk="1" latinLnBrk="0" hangingPunct="1">
-              <a:lnSpc>
-                <a:spcPct val="90000"/>
-              </a:lnSpc>
-              <a:spcBef>
-                <a:spcPts val="375"/>
-              </a:spcBef>
-              <a:buFont typeface="Arial" panose="020B0604020202020204" pitchFamily="34" charset="0"/>
-              <a:buNone/>
-              <a:defRPr sz="1200" kern="1200">
-                <a:solidFill>
-                  <a:schemeClr val="dk1"/>
-                </a:solidFill>
-                <a:latin typeface="+mn-lt"/>
-                <a:ea typeface="+mn-ea"/>
-                <a:cs typeface="+mn-cs"/>
-              </a:defRPr>
-            </a:lvl6pPr>
-            <a:lvl7pPr marL="2057400" indent="0" algn="ctr" defTabSz="685800" rtl="0" eaLnBrk="1" latinLnBrk="0" hangingPunct="1">
-              <a:lnSpc>
-                <a:spcPct val="90000"/>
-              </a:lnSpc>
-              <a:spcBef>
-                <a:spcPts val="375"/>
-              </a:spcBef>
-              <a:buFont typeface="Arial" panose="020B0604020202020204" pitchFamily="34" charset="0"/>
-              <a:buNone/>
-              <a:defRPr sz="1200" kern="1200">
-                <a:solidFill>
-                  <a:schemeClr val="dk1"/>
-                </a:solidFill>
-                <a:latin typeface="+mn-lt"/>
-                <a:ea typeface="+mn-ea"/>
-                <a:cs typeface="+mn-cs"/>
-              </a:defRPr>
-            </a:lvl7pPr>
-            <a:lvl8pPr marL="2400300" indent="0" algn="ctr" defTabSz="685800" rtl="0" eaLnBrk="1" latinLnBrk="0" hangingPunct="1">
-              <a:lnSpc>
-                <a:spcPct val="90000"/>
-              </a:lnSpc>
-              <a:spcBef>
-                <a:spcPts val="375"/>
-              </a:spcBef>
-              <a:buFont typeface="Arial" panose="020B0604020202020204" pitchFamily="34" charset="0"/>
-              <a:buNone/>
-              <a:defRPr sz="1200" kern="1200">
-                <a:solidFill>
-                  <a:schemeClr val="dk1"/>
-                </a:solidFill>
-                <a:latin typeface="+mn-lt"/>
-                <a:ea typeface="+mn-ea"/>
-                <a:cs typeface="+mn-cs"/>
-              </a:defRPr>
-            </a:lvl8pPr>
-            <a:lvl9pPr marL="2743200" indent="0" algn="ctr" defTabSz="685800" rtl="0" eaLnBrk="1" latinLnBrk="0" hangingPunct="1">
-              <a:lnSpc>
-                <a:spcPct val="90000"/>
-              </a:lnSpc>
-              <a:spcBef>
-                <a:spcPts val="375"/>
-              </a:spcBef>
-              <a:buFont typeface="Arial" panose="020B0604020202020204" pitchFamily="34" charset="0"/>
-              <a:buNone/>
-              <a:defRPr sz="1200" kern="1200">
-                <a:solidFill>
-                  <a:schemeClr val="dk1"/>
-                </a:solidFill>
-                <a:latin typeface="+mn-lt"/>
-                <a:ea typeface="+mn-ea"/>
-                <a:cs typeface="+mn-cs"/>
-              </a:defRPr>
-            </a:lvl9pPr>
-          </a:lstStyle>
-          <a:p>
-            <a:r>
-              <a:rPr lang="en-US" dirty="0"/>
-              <a:t>Articles assessed for inclusion criteria</a:t>
-            </a:r>
-          </a:p>
-          <a:p>
-            <a:r>
-              <a:rPr lang="en-US" dirty="0"/>
-              <a:t>N = 264 </a:t>
-            </a:r>
-          </a:p>
-        </p:txBody>
-      </p:sp>
-      <p:cxnSp>
-        <p:nvCxnSpPr>
-          <p:cNvPr id="14" name="Straight Arrow Connector 13">
-            <a:extLst>
-              <a:ext uri="{FF2B5EF4-FFF2-40B4-BE49-F238E27FC236}">
-                <a16:creationId xmlns:a16="http://schemas.microsoft.com/office/drawing/2014/main" id="{233581B6-2725-4359-A9A5-E5264DC85E63}"/>
-              </a:ext>
-            </a:extLst>
-          </p:cNvPr>
-          <p:cNvCxnSpPr>
-            <a:cxnSpLocks/>
-            <a:stCxn id="3" idx="2"/>
-            <a:endCxn id="12" idx="0"/>
-          </p:cNvCxnSpPr>
-          <p:nvPr/>
-        </p:nvCxnSpPr>
-        <p:spPr>
-          <a:xfrm>
-            <a:off x="3118500" y="1218489"/>
-            <a:ext cx="0" cy="3599627"/>
-          </a:xfrm>
-          <a:prstGeom prst="straightConnector1">
-            <a:avLst/>
-          </a:prstGeom>
-          <a:ln w="38100">
-            <a:solidFill>
-              <a:schemeClr val="tx1"/>
-            </a:solidFill>
-            <a:tailEnd type="triangle"/>
-          </a:ln>
-        </p:spPr>
-        <p:style>
-          <a:lnRef idx="1">
-            <a:schemeClr val="dk1"/>
-          </a:lnRef>
-          <a:fillRef idx="0">
-            <a:schemeClr val="dk1"/>
-          </a:fillRef>
-          <a:effectRef idx="0">
-            <a:schemeClr val="dk1"/>
-          </a:effectRef>
-          <a:fontRef idx="minor">
-            <a:schemeClr val="tx1"/>
-          </a:fontRef>
-        </p:style>
-      </p:cxnSp>
-      <p:sp>
-        <p:nvSpPr>
-          <p:cNvPr id="15" name="Subtitle 2">
-            <a:extLst>
-              <a:ext uri="{FF2B5EF4-FFF2-40B4-BE49-F238E27FC236}">
-                <a16:creationId xmlns:a16="http://schemas.microsoft.com/office/drawing/2014/main" id="{56DED749-6F97-442D-BEA2-B4B3D1263853}"/>
-              </a:ext>
-            </a:extLst>
-          </p:cNvPr>
-          <p:cNvSpPr txBox="1">
-            <a:spLocks/>
-          </p:cNvSpPr>
-          <p:nvPr/>
-        </p:nvSpPr>
-        <p:spPr>
-          <a:xfrm>
-            <a:off x="4031322" y="1980961"/>
-            <a:ext cx="2698607" cy="2157318"/>
-          </a:xfrm>
-          <a:prstGeom prst="rect">
-            <a:avLst/>
-          </a:prstGeom>
-          <a:solidFill>
-            <a:schemeClr val="bg1"/>
-          </a:solidFill>
-        </p:spPr>
-        <p:style>
-          <a:lnRef idx="2">
-            <a:schemeClr val="dk1"/>
-          </a:lnRef>
-          <a:fillRef idx="1">
-            <a:schemeClr val="lt1"/>
-          </a:fillRef>
-          <a:effectRef idx="0">
-            <a:schemeClr val="dk1"/>
-          </a:effectRef>
-          <a:fontRef idx="minor">
-            <a:schemeClr val="dk1"/>
-          </a:fontRef>
-        </p:style>
-        <p:txBody>
-          <a:bodyPr vert="horz" lIns="91440" tIns="45720" rIns="91440" bIns="45720" rtlCol="0">
-            <a:normAutofit/>
-          </a:bodyPr>
-          <a:lstStyle>
-            <a:lvl1pPr marL="0" indent="0" algn="ctr" defTabSz="685800" rtl="0" eaLnBrk="1" latinLnBrk="0" hangingPunct="1">
-              <a:lnSpc>
-                <a:spcPct val="90000"/>
-              </a:lnSpc>
-              <a:spcBef>
-                <a:spcPts val="750"/>
-              </a:spcBef>
-              <a:buFont typeface="Arial" panose="020B0604020202020204" pitchFamily="34" charset="0"/>
-              <a:buNone/>
-              <a:defRPr sz="1800" kern="1200">
-                <a:solidFill>
-                  <a:schemeClr val="dk1"/>
-                </a:solidFill>
-                <a:latin typeface="+mn-lt"/>
-                <a:ea typeface="+mn-ea"/>
-                <a:cs typeface="+mn-cs"/>
-              </a:defRPr>
-            </a:lvl1pPr>
-            <a:lvl2pPr marL="342900" indent="0" algn="ctr" defTabSz="685800" rtl="0" eaLnBrk="1" latinLnBrk="0" hangingPunct="1">
-              <a:lnSpc>
-                <a:spcPct val="90000"/>
-              </a:lnSpc>
-              <a:spcBef>
-                <a:spcPts val="375"/>
-              </a:spcBef>
-              <a:buFont typeface="Arial" panose="020B0604020202020204" pitchFamily="34" charset="0"/>
-              <a:buNone/>
-              <a:defRPr sz="1500" kern="1200">
-                <a:solidFill>
-                  <a:schemeClr val="dk1"/>
-                </a:solidFill>
-                <a:latin typeface="+mn-lt"/>
-                <a:ea typeface="+mn-ea"/>
-                <a:cs typeface="+mn-cs"/>
-              </a:defRPr>
-            </a:lvl2pPr>
-            <a:lvl3pPr marL="685800" indent="0" algn="ctr" defTabSz="685800" rtl="0" eaLnBrk="1" latinLnBrk="0" hangingPunct="1">
-              <a:lnSpc>
-                <a:spcPct val="90000"/>
-              </a:lnSpc>
-              <a:spcBef>
-                <a:spcPts val="375"/>
-              </a:spcBef>
-              <a:buFont typeface="Arial" panose="020B0604020202020204" pitchFamily="34" charset="0"/>
-              <a:buNone/>
-              <a:defRPr sz="1350" kern="1200">
-                <a:solidFill>
-                  <a:schemeClr val="dk1"/>
-                </a:solidFill>
-                <a:latin typeface="+mn-lt"/>
-                <a:ea typeface="+mn-ea"/>
-                <a:cs typeface="+mn-cs"/>
-              </a:defRPr>
-            </a:lvl3pPr>
-            <a:lvl4pPr marL="1028700" indent="0" algn="ctr" defTabSz="685800" rtl="0" eaLnBrk="1" latinLnBrk="0" hangingPunct="1">
-              <a:lnSpc>
-                <a:spcPct val="90000"/>
-              </a:lnSpc>
-              <a:spcBef>
-                <a:spcPts val="375"/>
-              </a:spcBef>
-              <a:buFont typeface="Arial" panose="020B0604020202020204" pitchFamily="34" charset="0"/>
-              <a:buNone/>
-              <a:defRPr sz="1200" kern="1200">
-                <a:solidFill>
-                  <a:schemeClr val="dk1"/>
-                </a:solidFill>
-                <a:latin typeface="+mn-lt"/>
-                <a:ea typeface="+mn-ea"/>
-                <a:cs typeface="+mn-cs"/>
-              </a:defRPr>
-            </a:lvl4pPr>
-            <a:lvl5pPr marL="1371600" indent="0" algn="ctr" defTabSz="685800" rtl="0" eaLnBrk="1" latinLnBrk="0" hangingPunct="1">
-              <a:lnSpc>
-                <a:spcPct val="90000"/>
-              </a:lnSpc>
-              <a:spcBef>
-                <a:spcPts val="375"/>
-              </a:spcBef>
-              <a:buFont typeface="Arial" panose="020B0604020202020204" pitchFamily="34" charset="0"/>
-              <a:buNone/>
-              <a:defRPr sz="1200" kern="1200">
-                <a:solidFill>
-                  <a:schemeClr val="dk1"/>
-                </a:solidFill>
-                <a:latin typeface="+mn-lt"/>
-                <a:ea typeface="+mn-ea"/>
-                <a:cs typeface="+mn-cs"/>
-              </a:defRPr>
-            </a:lvl5pPr>
-            <a:lvl6pPr marL="1714500" indent="0" algn="ctr" defTabSz="685800" rtl="0" eaLnBrk="1" latinLnBrk="0" hangingPunct="1">
-              <a:lnSpc>
-                <a:spcPct val="90000"/>
-              </a:lnSpc>
-              <a:spcBef>
-                <a:spcPts val="375"/>
-              </a:spcBef>
-              <a:buFont typeface="Arial" panose="020B0604020202020204" pitchFamily="34" charset="0"/>
-              <a:buNone/>
-              <a:defRPr sz="1200" kern="1200">
-                <a:solidFill>
-                  <a:schemeClr val="dk1"/>
-                </a:solidFill>
-                <a:latin typeface="+mn-lt"/>
-                <a:ea typeface="+mn-ea"/>
-                <a:cs typeface="+mn-cs"/>
-              </a:defRPr>
-            </a:lvl6pPr>
-            <a:lvl7pPr marL="2057400" indent="0" algn="ctr" defTabSz="685800" rtl="0" eaLnBrk="1" latinLnBrk="0" hangingPunct="1">
-              <a:lnSpc>
-                <a:spcPct val="90000"/>
-              </a:lnSpc>
-              <a:spcBef>
-                <a:spcPts val="375"/>
-              </a:spcBef>
-              <a:buFont typeface="Arial" panose="020B0604020202020204" pitchFamily="34" charset="0"/>
-              <a:buNone/>
-              <a:defRPr sz="1200" kern="1200">
-                <a:solidFill>
-                  <a:schemeClr val="dk1"/>
-                </a:solidFill>
-                <a:latin typeface="+mn-lt"/>
-                <a:ea typeface="+mn-ea"/>
-                <a:cs typeface="+mn-cs"/>
-              </a:defRPr>
-            </a:lvl7pPr>
-            <a:lvl8pPr marL="2400300" indent="0" algn="ctr" defTabSz="685800" rtl="0" eaLnBrk="1" latinLnBrk="0" hangingPunct="1">
-              <a:lnSpc>
-                <a:spcPct val="90000"/>
-              </a:lnSpc>
-              <a:spcBef>
-                <a:spcPts val="375"/>
-              </a:spcBef>
-              <a:buFont typeface="Arial" panose="020B0604020202020204" pitchFamily="34" charset="0"/>
-              <a:buNone/>
-              <a:defRPr sz="1200" kern="1200">
-                <a:solidFill>
-                  <a:schemeClr val="dk1"/>
-                </a:solidFill>
-                <a:latin typeface="+mn-lt"/>
-                <a:ea typeface="+mn-ea"/>
-                <a:cs typeface="+mn-cs"/>
-              </a:defRPr>
-            </a:lvl8pPr>
-            <a:lvl9pPr marL="2743200" indent="0" algn="ctr" defTabSz="685800" rtl="0" eaLnBrk="1" latinLnBrk="0" hangingPunct="1">
-              <a:lnSpc>
-                <a:spcPct val="90000"/>
-              </a:lnSpc>
-              <a:spcBef>
-                <a:spcPts val="375"/>
-              </a:spcBef>
-              <a:buFont typeface="Arial" panose="020B0604020202020204" pitchFamily="34" charset="0"/>
-              <a:buNone/>
-              <a:defRPr sz="1200" kern="1200">
-                <a:solidFill>
-                  <a:schemeClr val="dk1"/>
-                </a:solidFill>
-                <a:latin typeface="+mn-lt"/>
-                <a:ea typeface="+mn-ea"/>
-                <a:cs typeface="+mn-cs"/>
-              </a:defRPr>
-            </a:lvl9pPr>
-          </a:lstStyle>
-          <a:p>
-            <a:r>
-              <a:rPr lang="en-US" dirty="0"/>
-              <a:t>Removed Any Papers Studying Human Behavior</a:t>
-            </a:r>
-          </a:p>
-          <a:p>
-            <a:r>
-              <a:rPr lang="en-US" dirty="0"/>
-              <a:t>N = 201</a:t>
-            </a:r>
-          </a:p>
-          <a:p>
-            <a:r>
-              <a:rPr lang="en-US" dirty="0"/>
-              <a:t>Removed Any Papers Not Studying Color and Aggression</a:t>
-            </a:r>
-          </a:p>
-          <a:p>
-            <a:r>
-              <a:rPr lang="en-US" dirty="0"/>
-              <a:t>N = 697</a:t>
-            </a:r>
-          </a:p>
-        </p:txBody>
-      </p:sp>
-      <p:sp>
-        <p:nvSpPr>
           <p:cNvPr id="24" name="Rectangle 23">
             <a:extLst>
               <a:ext uri="{FF2B5EF4-FFF2-40B4-BE49-F238E27FC236}">
@@ -4376,8 +3880,8 @@
         </p:nvSpPr>
         <p:spPr>
           <a:xfrm>
-            <a:off x="127220" y="10545378"/>
-            <a:ext cx="6647290" cy="1525782"/>
+            <a:off x="101206" y="10930264"/>
+            <a:ext cx="6673304" cy="1140896"/>
           </a:xfrm>
           <a:prstGeom prst="rect">
             <a:avLst/>
@@ -4434,8 +3938,8 @@
         </p:nvSpPr>
         <p:spPr>
           <a:xfrm rot="16200000">
-            <a:off x="-248614" y="10921212"/>
-            <a:ext cx="1525782" cy="774114"/>
+            <a:off x="-56171" y="11113655"/>
+            <a:ext cx="1140896" cy="774114"/>
           </a:xfrm>
           <a:prstGeom prst="rect">
             <a:avLst/>
@@ -4655,8 +4159,8 @@
         </p:nvSpPr>
         <p:spPr>
           <a:xfrm>
-            <a:off x="1202486" y="10927031"/>
-            <a:ext cx="3832028" cy="752248"/>
+            <a:off x="1512986" y="11164428"/>
+            <a:ext cx="3832028" cy="750366"/>
           </a:xfrm>
           <a:prstGeom prst="rect">
             <a:avLst/>
@@ -4856,31 +4360,258 @@
           <a:p>
             <a:r>
               <a:rPr lang="en-US" dirty="0"/>
-              <a:t>N = 75</a:t>
+              <a:t>N = 74</a:t>
+            </a:r>
+          </a:p>
+        </p:txBody>
+      </p:sp>
+      <p:sp>
+        <p:nvSpPr>
+          <p:cNvPr id="2" name="Subtitle 2">
+            <a:extLst>
+              <a:ext uri="{FF2B5EF4-FFF2-40B4-BE49-F238E27FC236}">
+                <a16:creationId xmlns:a16="http://schemas.microsoft.com/office/drawing/2014/main" id="{69E312F0-658E-0AEE-1968-373EBEFB304A}"/>
+              </a:ext>
+            </a:extLst>
+          </p:cNvPr>
+          <p:cNvSpPr txBox="1">
+            <a:spLocks/>
+          </p:cNvSpPr>
+          <p:nvPr/>
+        </p:nvSpPr>
+        <p:spPr>
+          <a:xfrm>
+            <a:off x="3453061" y="339445"/>
+            <a:ext cx="2292523" cy="1006655"/>
+          </a:xfrm>
+          <a:prstGeom prst="rect">
+            <a:avLst/>
+          </a:prstGeom>
+          <a:solidFill>
+            <a:schemeClr val="bg1"/>
+          </a:solidFill>
+        </p:spPr>
+        <p:style>
+          <a:lnRef idx="2">
+            <a:schemeClr val="dk1"/>
+          </a:lnRef>
+          <a:fillRef idx="1">
+            <a:schemeClr val="lt1"/>
+          </a:fillRef>
+          <a:effectRef idx="0">
+            <a:schemeClr val="dk1"/>
+          </a:effectRef>
+          <a:fontRef idx="minor">
+            <a:schemeClr val="dk1"/>
+          </a:fontRef>
+        </p:style>
+        <p:txBody>
+          <a:bodyPr vert="horz" lIns="91440" tIns="45720" rIns="91440" bIns="45720" rtlCol="0">
+            <a:normAutofit lnSpcReduction="10000"/>
+          </a:bodyPr>
+          <a:lstStyle>
+            <a:lvl1pPr marL="0" indent="0" algn="ctr" defTabSz="685800" rtl="0" eaLnBrk="1" latinLnBrk="0" hangingPunct="1">
+              <a:lnSpc>
+                <a:spcPct val="90000"/>
+              </a:lnSpc>
+              <a:spcBef>
+                <a:spcPts val="750"/>
+              </a:spcBef>
+              <a:buFont typeface="Arial" panose="020B0604020202020204" pitchFamily="34" charset="0"/>
+              <a:buNone/>
+              <a:defRPr sz="1800" kern="1200">
+                <a:solidFill>
+                  <a:schemeClr val="dk1"/>
+                </a:solidFill>
+                <a:latin typeface="+mn-lt"/>
+                <a:ea typeface="+mn-ea"/>
+                <a:cs typeface="+mn-cs"/>
+              </a:defRPr>
+            </a:lvl1pPr>
+            <a:lvl2pPr marL="342900" indent="0" algn="ctr" defTabSz="685800" rtl="0" eaLnBrk="1" latinLnBrk="0" hangingPunct="1">
+              <a:lnSpc>
+                <a:spcPct val="90000"/>
+              </a:lnSpc>
+              <a:spcBef>
+                <a:spcPts val="375"/>
+              </a:spcBef>
+              <a:buFont typeface="Arial" panose="020B0604020202020204" pitchFamily="34" charset="0"/>
+              <a:buNone/>
+              <a:defRPr sz="1500" kern="1200">
+                <a:solidFill>
+                  <a:schemeClr val="dk1"/>
+                </a:solidFill>
+                <a:latin typeface="+mn-lt"/>
+                <a:ea typeface="+mn-ea"/>
+                <a:cs typeface="+mn-cs"/>
+              </a:defRPr>
+            </a:lvl2pPr>
+            <a:lvl3pPr marL="685800" indent="0" algn="ctr" defTabSz="685800" rtl="0" eaLnBrk="1" latinLnBrk="0" hangingPunct="1">
+              <a:lnSpc>
+                <a:spcPct val="90000"/>
+              </a:lnSpc>
+              <a:spcBef>
+                <a:spcPts val="375"/>
+              </a:spcBef>
+              <a:buFont typeface="Arial" panose="020B0604020202020204" pitchFamily="34" charset="0"/>
+              <a:buNone/>
+              <a:defRPr sz="1350" kern="1200">
+                <a:solidFill>
+                  <a:schemeClr val="dk1"/>
+                </a:solidFill>
+                <a:latin typeface="+mn-lt"/>
+                <a:ea typeface="+mn-ea"/>
+                <a:cs typeface="+mn-cs"/>
+              </a:defRPr>
+            </a:lvl3pPr>
+            <a:lvl4pPr marL="1028700" indent="0" algn="ctr" defTabSz="685800" rtl="0" eaLnBrk="1" latinLnBrk="0" hangingPunct="1">
+              <a:lnSpc>
+                <a:spcPct val="90000"/>
+              </a:lnSpc>
+              <a:spcBef>
+                <a:spcPts val="375"/>
+              </a:spcBef>
+              <a:buFont typeface="Arial" panose="020B0604020202020204" pitchFamily="34" charset="0"/>
+              <a:buNone/>
+              <a:defRPr sz="1200" kern="1200">
+                <a:solidFill>
+                  <a:schemeClr val="dk1"/>
+                </a:solidFill>
+                <a:latin typeface="+mn-lt"/>
+                <a:ea typeface="+mn-ea"/>
+                <a:cs typeface="+mn-cs"/>
+              </a:defRPr>
+            </a:lvl4pPr>
+            <a:lvl5pPr marL="1371600" indent="0" algn="ctr" defTabSz="685800" rtl="0" eaLnBrk="1" latinLnBrk="0" hangingPunct="1">
+              <a:lnSpc>
+                <a:spcPct val="90000"/>
+              </a:lnSpc>
+              <a:spcBef>
+                <a:spcPts val="375"/>
+              </a:spcBef>
+              <a:buFont typeface="Arial" panose="020B0604020202020204" pitchFamily="34" charset="0"/>
+              <a:buNone/>
+              <a:defRPr sz="1200" kern="1200">
+                <a:solidFill>
+                  <a:schemeClr val="dk1"/>
+                </a:solidFill>
+                <a:latin typeface="+mn-lt"/>
+                <a:ea typeface="+mn-ea"/>
+                <a:cs typeface="+mn-cs"/>
+              </a:defRPr>
+            </a:lvl5pPr>
+            <a:lvl6pPr marL="1714500" indent="0" algn="ctr" defTabSz="685800" rtl="0" eaLnBrk="1" latinLnBrk="0" hangingPunct="1">
+              <a:lnSpc>
+                <a:spcPct val="90000"/>
+              </a:lnSpc>
+              <a:spcBef>
+                <a:spcPts val="375"/>
+              </a:spcBef>
+              <a:buFont typeface="Arial" panose="020B0604020202020204" pitchFamily="34" charset="0"/>
+              <a:buNone/>
+              <a:defRPr sz="1200" kern="1200">
+                <a:solidFill>
+                  <a:schemeClr val="dk1"/>
+                </a:solidFill>
+                <a:latin typeface="+mn-lt"/>
+                <a:ea typeface="+mn-ea"/>
+                <a:cs typeface="+mn-cs"/>
+              </a:defRPr>
+            </a:lvl6pPr>
+            <a:lvl7pPr marL="2057400" indent="0" algn="ctr" defTabSz="685800" rtl="0" eaLnBrk="1" latinLnBrk="0" hangingPunct="1">
+              <a:lnSpc>
+                <a:spcPct val="90000"/>
+              </a:lnSpc>
+              <a:spcBef>
+                <a:spcPts val="375"/>
+              </a:spcBef>
+              <a:buFont typeface="Arial" panose="020B0604020202020204" pitchFamily="34" charset="0"/>
+              <a:buNone/>
+              <a:defRPr sz="1200" kern="1200">
+                <a:solidFill>
+                  <a:schemeClr val="dk1"/>
+                </a:solidFill>
+                <a:latin typeface="+mn-lt"/>
+                <a:ea typeface="+mn-ea"/>
+                <a:cs typeface="+mn-cs"/>
+              </a:defRPr>
+            </a:lvl7pPr>
+            <a:lvl8pPr marL="2400300" indent="0" algn="ctr" defTabSz="685800" rtl="0" eaLnBrk="1" latinLnBrk="0" hangingPunct="1">
+              <a:lnSpc>
+                <a:spcPct val="90000"/>
+              </a:lnSpc>
+              <a:spcBef>
+                <a:spcPts val="375"/>
+              </a:spcBef>
+              <a:buFont typeface="Arial" panose="020B0604020202020204" pitchFamily="34" charset="0"/>
+              <a:buNone/>
+              <a:defRPr sz="1200" kern="1200">
+                <a:solidFill>
+                  <a:schemeClr val="dk1"/>
+                </a:solidFill>
+                <a:latin typeface="+mn-lt"/>
+                <a:ea typeface="+mn-ea"/>
+                <a:cs typeface="+mn-cs"/>
+              </a:defRPr>
+            </a:lvl8pPr>
+            <a:lvl9pPr marL="2743200" indent="0" algn="ctr" defTabSz="685800" rtl="0" eaLnBrk="1" latinLnBrk="0" hangingPunct="1">
+              <a:lnSpc>
+                <a:spcPct val="90000"/>
+              </a:lnSpc>
+              <a:spcBef>
+                <a:spcPts val="375"/>
+              </a:spcBef>
+              <a:buFont typeface="Arial" panose="020B0604020202020204" pitchFamily="34" charset="0"/>
+              <a:buNone/>
+              <a:defRPr sz="1200" kern="1200">
+                <a:solidFill>
+                  <a:schemeClr val="dk1"/>
+                </a:solidFill>
+                <a:latin typeface="+mn-lt"/>
+                <a:ea typeface="+mn-ea"/>
+                <a:cs typeface="+mn-cs"/>
+              </a:defRPr>
+            </a:lvl9pPr>
+          </a:lstStyle>
+          <a:p>
+            <a:r>
+              <a:rPr lang="en-US" dirty="0"/>
+              <a:t>Scopus </a:t>
+            </a:r>
+          </a:p>
+          <a:p>
+            <a:r>
+              <a:rPr lang="en-US" dirty="0"/>
+              <a:t>(1900 -  October 2024)</a:t>
+            </a:r>
+          </a:p>
+          <a:p>
+            <a:r>
+              <a:rPr lang="en-US" dirty="0"/>
+              <a:t>N = 731</a:t>
             </a:r>
           </a:p>
         </p:txBody>
       </p:sp>
       <p:cxnSp>
         <p:nvCxnSpPr>
-          <p:cNvPr id="26" name="Straight Arrow Connector 25">
+          <p:cNvPr id="12" name="Straight Arrow Connector 11">
             <a:extLst>
               <a:ext uri="{FF2B5EF4-FFF2-40B4-BE49-F238E27FC236}">
-                <a16:creationId xmlns:a16="http://schemas.microsoft.com/office/drawing/2014/main" id="{82F30477-DBEC-4154-B30F-1D0E86CBECF2}"/>
+                <a16:creationId xmlns:a16="http://schemas.microsoft.com/office/drawing/2014/main" id="{205EFA8D-3271-47B4-22AD-DE03B2CEE0B0}"/>
               </a:ext>
             </a:extLst>
           </p:cNvPr>
           <p:cNvCxnSpPr>
             <a:cxnSpLocks/>
-            <a:stCxn id="12" idx="2"/>
-            <a:endCxn id="18" idx="0"/>
+            <a:endCxn id="22" idx="0"/>
           </p:cNvCxnSpPr>
           <p:nvPr/>
         </p:nvCxnSpPr>
         <p:spPr>
           <a:xfrm>
-            <a:off x="3118500" y="5570364"/>
-            <a:ext cx="0" cy="5356667"/>
+            <a:off x="3428333" y="1045233"/>
+            <a:ext cx="666" cy="3599944"/>
           </a:xfrm>
           <a:prstGeom prst="straightConnector1">
             <a:avLst/>
@@ -4907,12 +4638,258 @@
           </a:fontRef>
         </p:style>
       </p:cxnSp>
+      <p:sp>
+        <p:nvSpPr>
+          <p:cNvPr id="14" name="Subtitle 2">
+            <a:extLst>
+              <a:ext uri="{FF2B5EF4-FFF2-40B4-BE49-F238E27FC236}">
+                <a16:creationId xmlns:a16="http://schemas.microsoft.com/office/drawing/2014/main" id="{4C010BA2-EEC7-C1D6-A81B-E078F0F37866}"/>
+              </a:ext>
+            </a:extLst>
+          </p:cNvPr>
+          <p:cNvSpPr txBox="1">
+            <a:spLocks/>
+          </p:cNvSpPr>
+          <p:nvPr/>
+        </p:nvSpPr>
+        <p:spPr>
+          <a:xfrm>
+            <a:off x="4000375" y="1732052"/>
+            <a:ext cx="2689277" cy="2628808"/>
+          </a:xfrm>
+          <a:prstGeom prst="rect">
+            <a:avLst/>
+          </a:prstGeom>
+          <a:solidFill>
+            <a:schemeClr val="bg1"/>
+          </a:solidFill>
+        </p:spPr>
+        <p:style>
+          <a:lnRef idx="2">
+            <a:schemeClr val="dk1"/>
+          </a:lnRef>
+          <a:fillRef idx="1">
+            <a:schemeClr val="lt1"/>
+          </a:fillRef>
+          <a:effectRef idx="0">
+            <a:schemeClr val="dk1"/>
+          </a:effectRef>
+          <a:fontRef idx="minor">
+            <a:schemeClr val="dk1"/>
+          </a:fontRef>
+        </p:style>
+        <p:txBody>
+          <a:bodyPr vert="horz" lIns="91440" tIns="45720" rIns="91440" bIns="45720" rtlCol="0">
+            <a:normAutofit lnSpcReduction="10000"/>
+          </a:bodyPr>
+          <a:lstStyle>
+            <a:lvl1pPr marL="0" indent="0" algn="ctr" defTabSz="685800" rtl="0" eaLnBrk="1" latinLnBrk="0" hangingPunct="1">
+              <a:lnSpc>
+                <a:spcPct val="90000"/>
+              </a:lnSpc>
+              <a:spcBef>
+                <a:spcPts val="750"/>
+              </a:spcBef>
+              <a:buFont typeface="Arial" panose="020B0604020202020204" pitchFamily="34" charset="0"/>
+              <a:buNone/>
+              <a:defRPr sz="1800" kern="1200">
+                <a:solidFill>
+                  <a:schemeClr val="dk1"/>
+                </a:solidFill>
+                <a:latin typeface="+mn-lt"/>
+                <a:ea typeface="+mn-ea"/>
+                <a:cs typeface="+mn-cs"/>
+              </a:defRPr>
+            </a:lvl1pPr>
+            <a:lvl2pPr marL="342900" indent="0" algn="ctr" defTabSz="685800" rtl="0" eaLnBrk="1" latinLnBrk="0" hangingPunct="1">
+              <a:lnSpc>
+                <a:spcPct val="90000"/>
+              </a:lnSpc>
+              <a:spcBef>
+                <a:spcPts val="375"/>
+              </a:spcBef>
+              <a:buFont typeface="Arial" panose="020B0604020202020204" pitchFamily="34" charset="0"/>
+              <a:buNone/>
+              <a:defRPr sz="1500" kern="1200">
+                <a:solidFill>
+                  <a:schemeClr val="dk1"/>
+                </a:solidFill>
+                <a:latin typeface="+mn-lt"/>
+                <a:ea typeface="+mn-ea"/>
+                <a:cs typeface="+mn-cs"/>
+              </a:defRPr>
+            </a:lvl2pPr>
+            <a:lvl3pPr marL="685800" indent="0" algn="ctr" defTabSz="685800" rtl="0" eaLnBrk="1" latinLnBrk="0" hangingPunct="1">
+              <a:lnSpc>
+                <a:spcPct val="90000"/>
+              </a:lnSpc>
+              <a:spcBef>
+                <a:spcPts val="375"/>
+              </a:spcBef>
+              <a:buFont typeface="Arial" panose="020B0604020202020204" pitchFamily="34" charset="0"/>
+              <a:buNone/>
+              <a:defRPr sz="1350" kern="1200">
+                <a:solidFill>
+                  <a:schemeClr val="dk1"/>
+                </a:solidFill>
+                <a:latin typeface="+mn-lt"/>
+                <a:ea typeface="+mn-ea"/>
+                <a:cs typeface="+mn-cs"/>
+              </a:defRPr>
+            </a:lvl3pPr>
+            <a:lvl4pPr marL="1028700" indent="0" algn="ctr" defTabSz="685800" rtl="0" eaLnBrk="1" latinLnBrk="0" hangingPunct="1">
+              <a:lnSpc>
+                <a:spcPct val="90000"/>
+              </a:lnSpc>
+              <a:spcBef>
+                <a:spcPts val="375"/>
+              </a:spcBef>
+              <a:buFont typeface="Arial" panose="020B0604020202020204" pitchFamily="34" charset="0"/>
+              <a:buNone/>
+              <a:defRPr sz="1200" kern="1200">
+                <a:solidFill>
+                  <a:schemeClr val="dk1"/>
+                </a:solidFill>
+                <a:latin typeface="+mn-lt"/>
+                <a:ea typeface="+mn-ea"/>
+                <a:cs typeface="+mn-cs"/>
+              </a:defRPr>
+            </a:lvl4pPr>
+            <a:lvl5pPr marL="1371600" indent="0" algn="ctr" defTabSz="685800" rtl="0" eaLnBrk="1" latinLnBrk="0" hangingPunct="1">
+              <a:lnSpc>
+                <a:spcPct val="90000"/>
+              </a:lnSpc>
+              <a:spcBef>
+                <a:spcPts val="375"/>
+              </a:spcBef>
+              <a:buFont typeface="Arial" panose="020B0604020202020204" pitchFamily="34" charset="0"/>
+              <a:buNone/>
+              <a:defRPr sz="1200" kern="1200">
+                <a:solidFill>
+                  <a:schemeClr val="dk1"/>
+                </a:solidFill>
+                <a:latin typeface="+mn-lt"/>
+                <a:ea typeface="+mn-ea"/>
+                <a:cs typeface="+mn-cs"/>
+              </a:defRPr>
+            </a:lvl5pPr>
+            <a:lvl6pPr marL="1714500" indent="0" algn="ctr" defTabSz="685800" rtl="0" eaLnBrk="1" latinLnBrk="0" hangingPunct="1">
+              <a:lnSpc>
+                <a:spcPct val="90000"/>
+              </a:lnSpc>
+              <a:spcBef>
+                <a:spcPts val="375"/>
+              </a:spcBef>
+              <a:buFont typeface="Arial" panose="020B0604020202020204" pitchFamily="34" charset="0"/>
+              <a:buNone/>
+              <a:defRPr sz="1200" kern="1200">
+                <a:solidFill>
+                  <a:schemeClr val="dk1"/>
+                </a:solidFill>
+                <a:latin typeface="+mn-lt"/>
+                <a:ea typeface="+mn-ea"/>
+                <a:cs typeface="+mn-cs"/>
+              </a:defRPr>
+            </a:lvl6pPr>
+            <a:lvl7pPr marL="2057400" indent="0" algn="ctr" defTabSz="685800" rtl="0" eaLnBrk="1" latinLnBrk="0" hangingPunct="1">
+              <a:lnSpc>
+                <a:spcPct val="90000"/>
+              </a:lnSpc>
+              <a:spcBef>
+                <a:spcPts val="375"/>
+              </a:spcBef>
+              <a:buFont typeface="Arial" panose="020B0604020202020204" pitchFamily="34" charset="0"/>
+              <a:buNone/>
+              <a:defRPr sz="1200" kern="1200">
+                <a:solidFill>
+                  <a:schemeClr val="dk1"/>
+                </a:solidFill>
+                <a:latin typeface="+mn-lt"/>
+                <a:ea typeface="+mn-ea"/>
+                <a:cs typeface="+mn-cs"/>
+              </a:defRPr>
+            </a:lvl7pPr>
+            <a:lvl8pPr marL="2400300" indent="0" algn="ctr" defTabSz="685800" rtl="0" eaLnBrk="1" latinLnBrk="0" hangingPunct="1">
+              <a:lnSpc>
+                <a:spcPct val="90000"/>
+              </a:lnSpc>
+              <a:spcBef>
+                <a:spcPts val="375"/>
+              </a:spcBef>
+              <a:buFont typeface="Arial" panose="020B0604020202020204" pitchFamily="34" charset="0"/>
+              <a:buNone/>
+              <a:defRPr sz="1200" kern="1200">
+                <a:solidFill>
+                  <a:schemeClr val="dk1"/>
+                </a:solidFill>
+                <a:latin typeface="+mn-lt"/>
+                <a:ea typeface="+mn-ea"/>
+                <a:cs typeface="+mn-cs"/>
+              </a:defRPr>
+            </a:lvl8pPr>
+            <a:lvl9pPr marL="2743200" indent="0" algn="ctr" defTabSz="685800" rtl="0" eaLnBrk="1" latinLnBrk="0" hangingPunct="1">
+              <a:lnSpc>
+                <a:spcPct val="90000"/>
+              </a:lnSpc>
+              <a:spcBef>
+                <a:spcPts val="375"/>
+              </a:spcBef>
+              <a:buFont typeface="Arial" panose="020B0604020202020204" pitchFamily="34" charset="0"/>
+              <a:buNone/>
+              <a:defRPr sz="1200" kern="1200">
+                <a:solidFill>
+                  <a:schemeClr val="dk1"/>
+                </a:solidFill>
+                <a:latin typeface="+mn-lt"/>
+                <a:ea typeface="+mn-ea"/>
+                <a:cs typeface="+mn-cs"/>
+              </a:defRPr>
+            </a:lvl9pPr>
+          </a:lstStyle>
+          <a:p>
+            <a:r>
+              <a:rPr lang="en-US" dirty="0"/>
+              <a:t>Removed Duplicates</a:t>
+            </a:r>
+          </a:p>
+          <a:p>
+            <a:r>
+              <a:rPr lang="en-US" dirty="0"/>
+              <a:t>N = 103</a:t>
+            </a:r>
+          </a:p>
+          <a:p>
+            <a:r>
+              <a:rPr lang="en-US" dirty="0"/>
+              <a:t>Removed Any Papers Studying Human Behavior</a:t>
+            </a:r>
+          </a:p>
+          <a:p>
+            <a:r>
+              <a:rPr lang="en-US" dirty="0"/>
+              <a:t>N = 9</a:t>
+            </a:r>
+          </a:p>
+          <a:p>
+            <a:r>
+              <a:rPr lang="en-US" dirty="0"/>
+              <a:t>Removed Any Papers Not Studying Color and Aggression</a:t>
+            </a:r>
+          </a:p>
+          <a:p>
+            <a:r>
+              <a:rPr lang="en-US" dirty="0"/>
+              <a:t>N = 1,503</a:t>
+            </a:r>
+          </a:p>
+        </p:txBody>
+      </p:sp>
       <p:cxnSp>
         <p:nvCxnSpPr>
-          <p:cNvPr id="29" name="Straight Arrow Connector 28">
+          <p:cNvPr id="15" name="Straight Arrow Connector 14">
             <a:extLst>
               <a:ext uri="{FF2B5EF4-FFF2-40B4-BE49-F238E27FC236}">
-                <a16:creationId xmlns:a16="http://schemas.microsoft.com/office/drawing/2014/main" id="{07A997D4-D6CE-4E20-8DDA-3151B79C75F2}"/>
+                <a16:creationId xmlns:a16="http://schemas.microsoft.com/office/drawing/2014/main" id="{7FB3B951-D2DD-DDE9-EC8B-B9F5F38B35F1}"/>
               </a:ext>
             </a:extLst>
           </p:cNvPr>
@@ -4923,8 +4900,8 @@
         </p:nvCxnSpPr>
         <p:spPr>
           <a:xfrm>
-            <a:off x="3118500" y="3059620"/>
-            <a:ext cx="916472" cy="1"/>
+            <a:off x="3467349" y="3046456"/>
+            <a:ext cx="542551" cy="0"/>
           </a:xfrm>
           <a:prstGeom prst="straightConnector1">
             <a:avLst/>
@@ -4952,24 +4929,555 @@
           </a:fontRef>
         </p:style>
       </p:cxnSp>
+      <p:sp>
+        <p:nvSpPr>
+          <p:cNvPr id="22" name="Subtitle 2">
+            <a:extLst>
+              <a:ext uri="{FF2B5EF4-FFF2-40B4-BE49-F238E27FC236}">
+                <a16:creationId xmlns:a16="http://schemas.microsoft.com/office/drawing/2014/main" id="{F8B4F7C2-B601-BDF4-4654-CE2275F6A2B7}"/>
+              </a:ext>
+            </a:extLst>
+          </p:cNvPr>
+          <p:cNvSpPr txBox="1">
+            <a:spLocks/>
+          </p:cNvSpPr>
+          <p:nvPr/>
+        </p:nvSpPr>
+        <p:spPr>
+          <a:xfrm>
+            <a:off x="1512984" y="4645177"/>
+            <a:ext cx="3832029" cy="752248"/>
+          </a:xfrm>
+          <a:prstGeom prst="rect">
+            <a:avLst/>
+          </a:prstGeom>
+          <a:solidFill>
+            <a:schemeClr val="bg1"/>
+          </a:solidFill>
+        </p:spPr>
+        <p:style>
+          <a:lnRef idx="2">
+            <a:schemeClr val="dk1"/>
+          </a:lnRef>
+          <a:fillRef idx="1">
+            <a:schemeClr val="lt1"/>
+          </a:fillRef>
+          <a:effectRef idx="0">
+            <a:schemeClr val="dk1"/>
+          </a:effectRef>
+          <a:fontRef idx="minor">
+            <a:schemeClr val="dk1"/>
+          </a:fontRef>
+        </p:style>
+        <p:txBody>
+          <a:bodyPr vert="horz" lIns="91440" tIns="45720" rIns="91440" bIns="45720" rtlCol="0">
+            <a:normAutofit/>
+          </a:bodyPr>
+          <a:lstStyle>
+            <a:lvl1pPr marL="0" indent="0" algn="ctr" defTabSz="685800" rtl="0" eaLnBrk="1" latinLnBrk="0" hangingPunct="1">
+              <a:lnSpc>
+                <a:spcPct val="90000"/>
+              </a:lnSpc>
+              <a:spcBef>
+                <a:spcPts val="750"/>
+              </a:spcBef>
+              <a:buFont typeface="Arial" panose="020B0604020202020204" pitchFamily="34" charset="0"/>
+              <a:buNone/>
+              <a:defRPr sz="1800" kern="1200">
+                <a:solidFill>
+                  <a:schemeClr val="dk1"/>
+                </a:solidFill>
+                <a:latin typeface="+mn-lt"/>
+                <a:ea typeface="+mn-ea"/>
+                <a:cs typeface="+mn-cs"/>
+              </a:defRPr>
+            </a:lvl1pPr>
+            <a:lvl2pPr marL="342900" indent="0" algn="ctr" defTabSz="685800" rtl="0" eaLnBrk="1" latinLnBrk="0" hangingPunct="1">
+              <a:lnSpc>
+                <a:spcPct val="90000"/>
+              </a:lnSpc>
+              <a:spcBef>
+                <a:spcPts val="375"/>
+              </a:spcBef>
+              <a:buFont typeface="Arial" panose="020B0604020202020204" pitchFamily="34" charset="0"/>
+              <a:buNone/>
+              <a:defRPr sz="1500" kern="1200">
+                <a:solidFill>
+                  <a:schemeClr val="dk1"/>
+                </a:solidFill>
+                <a:latin typeface="+mn-lt"/>
+                <a:ea typeface="+mn-ea"/>
+                <a:cs typeface="+mn-cs"/>
+              </a:defRPr>
+            </a:lvl2pPr>
+            <a:lvl3pPr marL="685800" indent="0" algn="ctr" defTabSz="685800" rtl="0" eaLnBrk="1" latinLnBrk="0" hangingPunct="1">
+              <a:lnSpc>
+                <a:spcPct val="90000"/>
+              </a:lnSpc>
+              <a:spcBef>
+                <a:spcPts val="375"/>
+              </a:spcBef>
+              <a:buFont typeface="Arial" panose="020B0604020202020204" pitchFamily="34" charset="0"/>
+              <a:buNone/>
+              <a:defRPr sz="1350" kern="1200">
+                <a:solidFill>
+                  <a:schemeClr val="dk1"/>
+                </a:solidFill>
+                <a:latin typeface="+mn-lt"/>
+                <a:ea typeface="+mn-ea"/>
+                <a:cs typeface="+mn-cs"/>
+              </a:defRPr>
+            </a:lvl3pPr>
+            <a:lvl4pPr marL="1028700" indent="0" algn="ctr" defTabSz="685800" rtl="0" eaLnBrk="1" latinLnBrk="0" hangingPunct="1">
+              <a:lnSpc>
+                <a:spcPct val="90000"/>
+              </a:lnSpc>
+              <a:spcBef>
+                <a:spcPts val="375"/>
+              </a:spcBef>
+              <a:buFont typeface="Arial" panose="020B0604020202020204" pitchFamily="34" charset="0"/>
+              <a:buNone/>
+              <a:defRPr sz="1200" kern="1200">
+                <a:solidFill>
+                  <a:schemeClr val="dk1"/>
+                </a:solidFill>
+                <a:latin typeface="+mn-lt"/>
+                <a:ea typeface="+mn-ea"/>
+                <a:cs typeface="+mn-cs"/>
+              </a:defRPr>
+            </a:lvl4pPr>
+            <a:lvl5pPr marL="1371600" indent="0" algn="ctr" defTabSz="685800" rtl="0" eaLnBrk="1" latinLnBrk="0" hangingPunct="1">
+              <a:lnSpc>
+                <a:spcPct val="90000"/>
+              </a:lnSpc>
+              <a:spcBef>
+                <a:spcPts val="375"/>
+              </a:spcBef>
+              <a:buFont typeface="Arial" panose="020B0604020202020204" pitchFamily="34" charset="0"/>
+              <a:buNone/>
+              <a:defRPr sz="1200" kern="1200">
+                <a:solidFill>
+                  <a:schemeClr val="dk1"/>
+                </a:solidFill>
+                <a:latin typeface="+mn-lt"/>
+                <a:ea typeface="+mn-ea"/>
+                <a:cs typeface="+mn-cs"/>
+              </a:defRPr>
+            </a:lvl5pPr>
+            <a:lvl6pPr marL="1714500" indent="0" algn="ctr" defTabSz="685800" rtl="0" eaLnBrk="1" latinLnBrk="0" hangingPunct="1">
+              <a:lnSpc>
+                <a:spcPct val="90000"/>
+              </a:lnSpc>
+              <a:spcBef>
+                <a:spcPts val="375"/>
+              </a:spcBef>
+              <a:buFont typeface="Arial" panose="020B0604020202020204" pitchFamily="34" charset="0"/>
+              <a:buNone/>
+              <a:defRPr sz="1200" kern="1200">
+                <a:solidFill>
+                  <a:schemeClr val="dk1"/>
+                </a:solidFill>
+                <a:latin typeface="+mn-lt"/>
+                <a:ea typeface="+mn-ea"/>
+                <a:cs typeface="+mn-cs"/>
+              </a:defRPr>
+            </a:lvl6pPr>
+            <a:lvl7pPr marL="2057400" indent="0" algn="ctr" defTabSz="685800" rtl="0" eaLnBrk="1" latinLnBrk="0" hangingPunct="1">
+              <a:lnSpc>
+                <a:spcPct val="90000"/>
+              </a:lnSpc>
+              <a:spcBef>
+                <a:spcPts val="375"/>
+              </a:spcBef>
+              <a:buFont typeface="Arial" panose="020B0604020202020204" pitchFamily="34" charset="0"/>
+              <a:buNone/>
+              <a:defRPr sz="1200" kern="1200">
+                <a:solidFill>
+                  <a:schemeClr val="dk1"/>
+                </a:solidFill>
+                <a:latin typeface="+mn-lt"/>
+                <a:ea typeface="+mn-ea"/>
+                <a:cs typeface="+mn-cs"/>
+              </a:defRPr>
+            </a:lvl7pPr>
+            <a:lvl8pPr marL="2400300" indent="0" algn="ctr" defTabSz="685800" rtl="0" eaLnBrk="1" latinLnBrk="0" hangingPunct="1">
+              <a:lnSpc>
+                <a:spcPct val="90000"/>
+              </a:lnSpc>
+              <a:spcBef>
+                <a:spcPts val="375"/>
+              </a:spcBef>
+              <a:buFont typeface="Arial" panose="020B0604020202020204" pitchFamily="34" charset="0"/>
+              <a:buNone/>
+              <a:defRPr sz="1200" kern="1200">
+                <a:solidFill>
+                  <a:schemeClr val="dk1"/>
+                </a:solidFill>
+                <a:latin typeface="+mn-lt"/>
+                <a:ea typeface="+mn-ea"/>
+                <a:cs typeface="+mn-cs"/>
+              </a:defRPr>
+            </a:lvl8pPr>
+            <a:lvl9pPr marL="2743200" indent="0" algn="ctr" defTabSz="685800" rtl="0" eaLnBrk="1" latinLnBrk="0" hangingPunct="1">
+              <a:lnSpc>
+                <a:spcPct val="90000"/>
+              </a:lnSpc>
+              <a:spcBef>
+                <a:spcPts val="375"/>
+              </a:spcBef>
+              <a:buFont typeface="Arial" panose="020B0604020202020204" pitchFamily="34" charset="0"/>
+              <a:buNone/>
+              <a:defRPr sz="1200" kern="1200">
+                <a:solidFill>
+                  <a:schemeClr val="dk1"/>
+                </a:solidFill>
+                <a:latin typeface="+mn-lt"/>
+                <a:ea typeface="+mn-ea"/>
+                <a:cs typeface="+mn-cs"/>
+              </a:defRPr>
+            </a:lvl9pPr>
+          </a:lstStyle>
+          <a:p>
+            <a:r>
+              <a:rPr lang="en-US" dirty="0"/>
+              <a:t>Articles assessed for inclusion criteria</a:t>
+            </a:r>
+          </a:p>
+          <a:p>
+            <a:r>
+              <a:rPr lang="en-US" dirty="0"/>
+              <a:t>N = 278</a:t>
+            </a:r>
+          </a:p>
+        </p:txBody>
+      </p:sp>
       <p:cxnSp>
         <p:nvCxnSpPr>
-          <p:cNvPr id="33" name="Straight Arrow Connector 32">
+          <p:cNvPr id="28" name="Straight Arrow Connector 27">
             <a:extLst>
               <a:ext uri="{FF2B5EF4-FFF2-40B4-BE49-F238E27FC236}">
-                <a16:creationId xmlns:a16="http://schemas.microsoft.com/office/drawing/2014/main" id="{64BDC0AE-85D4-4024-9B03-C9B926788F70}"/>
+                <a16:creationId xmlns:a16="http://schemas.microsoft.com/office/drawing/2014/main" id="{15E4DFF1-7AC3-0515-42B1-DF0F5A415969}"/>
               </a:ext>
             </a:extLst>
           </p:cNvPr>
           <p:cNvCxnSpPr>
             <a:cxnSpLocks/>
+            <a:stCxn id="22" idx="2"/>
+            <a:endCxn id="18" idx="0"/>
           </p:cNvCxnSpPr>
           <p:nvPr/>
         </p:nvCxnSpPr>
         <p:spPr>
           <a:xfrm>
-            <a:off x="3118499" y="8050016"/>
-            <a:ext cx="922154" cy="1"/>
+            <a:off x="3428999" y="5397425"/>
+            <a:ext cx="1" cy="5767003"/>
+          </a:xfrm>
+          <a:prstGeom prst="straightConnector1">
+            <a:avLst/>
+          </a:prstGeom>
+          <a:ln w="38100">
+            <a:solidFill>
+              <a:schemeClr val="tx1"/>
+            </a:solidFill>
+            <a:tailEnd type="triangle"/>
+          </a:ln>
+        </p:spPr>
+        <p:style>
+          <a:lnRef idx="1">
+            <a:schemeClr val="dk1"/>
+          </a:lnRef>
+          <a:fillRef idx="0">
+            <a:schemeClr val="dk1"/>
+          </a:fillRef>
+          <a:effectRef idx="0">
+            <a:schemeClr val="dk1"/>
+          </a:effectRef>
+          <a:fontRef idx="minor">
+            <a:schemeClr val="tx1"/>
+          </a:fontRef>
+        </p:style>
+      </p:cxnSp>
+      <p:sp>
+        <p:nvSpPr>
+          <p:cNvPr id="29" name="Subtitle 2">
+            <a:extLst>
+              <a:ext uri="{FF2B5EF4-FFF2-40B4-BE49-F238E27FC236}">
+                <a16:creationId xmlns:a16="http://schemas.microsoft.com/office/drawing/2014/main" id="{247A4851-A61A-39F7-98E5-DFA90BDED9F0}"/>
+              </a:ext>
+            </a:extLst>
+          </p:cNvPr>
+          <p:cNvSpPr txBox="1">
+            <a:spLocks/>
+          </p:cNvSpPr>
+          <p:nvPr/>
+        </p:nvSpPr>
+        <p:spPr>
+          <a:xfrm>
+            <a:off x="4009900" y="5460075"/>
+            <a:ext cx="2698607" cy="4691715"/>
+          </a:xfrm>
+          <a:prstGeom prst="rect">
+            <a:avLst/>
+          </a:prstGeom>
+          <a:solidFill>
+            <a:schemeClr val="bg1"/>
+          </a:solidFill>
+        </p:spPr>
+        <p:style>
+          <a:lnRef idx="2">
+            <a:schemeClr val="dk1"/>
+          </a:lnRef>
+          <a:fillRef idx="1">
+            <a:schemeClr val="lt1"/>
+          </a:fillRef>
+          <a:effectRef idx="0">
+            <a:schemeClr val="dk1"/>
+          </a:effectRef>
+          <a:fontRef idx="minor">
+            <a:schemeClr val="dk1"/>
+          </a:fontRef>
+        </p:style>
+        <p:txBody>
+          <a:bodyPr vert="horz" lIns="91440" tIns="45720" rIns="91440" bIns="45720" rtlCol="0">
+            <a:normAutofit/>
+          </a:bodyPr>
+          <a:lstStyle>
+            <a:lvl1pPr marL="0" indent="0" algn="ctr" defTabSz="685800" rtl="0" eaLnBrk="1" latinLnBrk="0" hangingPunct="1">
+              <a:lnSpc>
+                <a:spcPct val="90000"/>
+              </a:lnSpc>
+              <a:spcBef>
+                <a:spcPts val="750"/>
+              </a:spcBef>
+              <a:buFont typeface="Arial" panose="020B0604020202020204" pitchFamily="34" charset="0"/>
+              <a:buNone/>
+              <a:defRPr sz="1800" kern="1200">
+                <a:solidFill>
+                  <a:schemeClr val="dk1"/>
+                </a:solidFill>
+                <a:latin typeface="+mn-lt"/>
+                <a:ea typeface="+mn-ea"/>
+                <a:cs typeface="+mn-cs"/>
+              </a:defRPr>
+            </a:lvl1pPr>
+            <a:lvl2pPr marL="342900" indent="0" algn="ctr" defTabSz="685800" rtl="0" eaLnBrk="1" latinLnBrk="0" hangingPunct="1">
+              <a:lnSpc>
+                <a:spcPct val="90000"/>
+              </a:lnSpc>
+              <a:spcBef>
+                <a:spcPts val="375"/>
+              </a:spcBef>
+              <a:buFont typeface="Arial" panose="020B0604020202020204" pitchFamily="34" charset="0"/>
+              <a:buNone/>
+              <a:defRPr sz="1500" kern="1200">
+                <a:solidFill>
+                  <a:schemeClr val="dk1"/>
+                </a:solidFill>
+                <a:latin typeface="+mn-lt"/>
+                <a:ea typeface="+mn-ea"/>
+                <a:cs typeface="+mn-cs"/>
+              </a:defRPr>
+            </a:lvl2pPr>
+            <a:lvl3pPr marL="685800" indent="0" algn="ctr" defTabSz="685800" rtl="0" eaLnBrk="1" latinLnBrk="0" hangingPunct="1">
+              <a:lnSpc>
+                <a:spcPct val="90000"/>
+              </a:lnSpc>
+              <a:spcBef>
+                <a:spcPts val="375"/>
+              </a:spcBef>
+              <a:buFont typeface="Arial" panose="020B0604020202020204" pitchFamily="34" charset="0"/>
+              <a:buNone/>
+              <a:defRPr sz="1350" kern="1200">
+                <a:solidFill>
+                  <a:schemeClr val="dk1"/>
+                </a:solidFill>
+                <a:latin typeface="+mn-lt"/>
+                <a:ea typeface="+mn-ea"/>
+                <a:cs typeface="+mn-cs"/>
+              </a:defRPr>
+            </a:lvl3pPr>
+            <a:lvl4pPr marL="1028700" indent="0" algn="ctr" defTabSz="685800" rtl="0" eaLnBrk="1" latinLnBrk="0" hangingPunct="1">
+              <a:lnSpc>
+                <a:spcPct val="90000"/>
+              </a:lnSpc>
+              <a:spcBef>
+                <a:spcPts val="375"/>
+              </a:spcBef>
+              <a:buFont typeface="Arial" panose="020B0604020202020204" pitchFamily="34" charset="0"/>
+              <a:buNone/>
+              <a:defRPr sz="1200" kern="1200">
+                <a:solidFill>
+                  <a:schemeClr val="dk1"/>
+                </a:solidFill>
+                <a:latin typeface="+mn-lt"/>
+                <a:ea typeface="+mn-ea"/>
+                <a:cs typeface="+mn-cs"/>
+              </a:defRPr>
+            </a:lvl4pPr>
+            <a:lvl5pPr marL="1371600" indent="0" algn="ctr" defTabSz="685800" rtl="0" eaLnBrk="1" latinLnBrk="0" hangingPunct="1">
+              <a:lnSpc>
+                <a:spcPct val="90000"/>
+              </a:lnSpc>
+              <a:spcBef>
+                <a:spcPts val="375"/>
+              </a:spcBef>
+              <a:buFont typeface="Arial" panose="020B0604020202020204" pitchFamily="34" charset="0"/>
+              <a:buNone/>
+              <a:defRPr sz="1200" kern="1200">
+                <a:solidFill>
+                  <a:schemeClr val="dk1"/>
+                </a:solidFill>
+                <a:latin typeface="+mn-lt"/>
+                <a:ea typeface="+mn-ea"/>
+                <a:cs typeface="+mn-cs"/>
+              </a:defRPr>
+            </a:lvl5pPr>
+            <a:lvl6pPr marL="1714500" indent="0" algn="ctr" defTabSz="685800" rtl="0" eaLnBrk="1" latinLnBrk="0" hangingPunct="1">
+              <a:lnSpc>
+                <a:spcPct val="90000"/>
+              </a:lnSpc>
+              <a:spcBef>
+                <a:spcPts val="375"/>
+              </a:spcBef>
+              <a:buFont typeface="Arial" panose="020B0604020202020204" pitchFamily="34" charset="0"/>
+              <a:buNone/>
+              <a:defRPr sz="1200" kern="1200">
+                <a:solidFill>
+                  <a:schemeClr val="dk1"/>
+                </a:solidFill>
+                <a:latin typeface="+mn-lt"/>
+                <a:ea typeface="+mn-ea"/>
+                <a:cs typeface="+mn-cs"/>
+              </a:defRPr>
+            </a:lvl6pPr>
+            <a:lvl7pPr marL="2057400" indent="0" algn="ctr" defTabSz="685800" rtl="0" eaLnBrk="1" latinLnBrk="0" hangingPunct="1">
+              <a:lnSpc>
+                <a:spcPct val="90000"/>
+              </a:lnSpc>
+              <a:spcBef>
+                <a:spcPts val="375"/>
+              </a:spcBef>
+              <a:buFont typeface="Arial" panose="020B0604020202020204" pitchFamily="34" charset="0"/>
+              <a:buNone/>
+              <a:defRPr sz="1200" kern="1200">
+                <a:solidFill>
+                  <a:schemeClr val="dk1"/>
+                </a:solidFill>
+                <a:latin typeface="+mn-lt"/>
+                <a:ea typeface="+mn-ea"/>
+                <a:cs typeface="+mn-cs"/>
+              </a:defRPr>
+            </a:lvl7pPr>
+            <a:lvl8pPr marL="2400300" indent="0" algn="ctr" defTabSz="685800" rtl="0" eaLnBrk="1" latinLnBrk="0" hangingPunct="1">
+              <a:lnSpc>
+                <a:spcPct val="90000"/>
+              </a:lnSpc>
+              <a:spcBef>
+                <a:spcPts val="375"/>
+              </a:spcBef>
+              <a:buFont typeface="Arial" panose="020B0604020202020204" pitchFamily="34" charset="0"/>
+              <a:buNone/>
+              <a:defRPr sz="1200" kern="1200">
+                <a:solidFill>
+                  <a:schemeClr val="dk1"/>
+                </a:solidFill>
+                <a:latin typeface="+mn-lt"/>
+                <a:ea typeface="+mn-ea"/>
+                <a:cs typeface="+mn-cs"/>
+              </a:defRPr>
+            </a:lvl8pPr>
+            <a:lvl9pPr marL="2743200" indent="0" algn="ctr" defTabSz="685800" rtl="0" eaLnBrk="1" latinLnBrk="0" hangingPunct="1">
+              <a:lnSpc>
+                <a:spcPct val="90000"/>
+              </a:lnSpc>
+              <a:spcBef>
+                <a:spcPts val="375"/>
+              </a:spcBef>
+              <a:buFont typeface="Arial" panose="020B0604020202020204" pitchFamily="34" charset="0"/>
+              <a:buNone/>
+              <a:defRPr sz="1200" kern="1200">
+                <a:solidFill>
+                  <a:schemeClr val="dk1"/>
+                </a:solidFill>
+                <a:latin typeface="+mn-lt"/>
+                <a:ea typeface="+mn-ea"/>
+                <a:cs typeface="+mn-cs"/>
+              </a:defRPr>
+            </a:lvl9pPr>
+          </a:lstStyle>
+          <a:p>
+            <a:r>
+              <a:rPr lang="en-US" dirty="0"/>
+              <a:t>Papers were Removed if they did not include:</a:t>
+            </a:r>
+          </a:p>
+          <a:p>
+            <a:pPr marL="285750" indent="-285750" algn="l">
+              <a:buFontTx/>
+              <a:buChar char="-"/>
+            </a:pPr>
+            <a:r>
+              <a:rPr lang="en-US" dirty="0"/>
+              <a:t>Natural pigment variation within the same species</a:t>
+            </a:r>
+          </a:p>
+          <a:p>
+            <a:pPr marL="285750" indent="-285750" algn="l">
+              <a:buFontTx/>
+              <a:buChar char="-"/>
+            </a:pPr>
+            <a:r>
+              <a:rPr lang="en-US" dirty="0"/>
+              <a:t>Individual measure of both color and aggression against a conspecific (same age, pigment, and sex)</a:t>
+            </a:r>
+          </a:p>
+          <a:p>
+            <a:pPr marL="285750" indent="-285750" algn="l">
+              <a:buFontTx/>
+              <a:buChar char="-"/>
+            </a:pPr>
+            <a:r>
+              <a:rPr lang="en-US" dirty="0"/>
+              <a:t>Report relevant statistics</a:t>
+            </a:r>
+          </a:p>
+          <a:p>
+            <a:pPr marL="285750" indent="-285750" algn="l">
+              <a:buFontTx/>
+              <a:buChar char="-"/>
+            </a:pPr>
+            <a:r>
+              <a:rPr lang="en-US" dirty="0"/>
+              <a:t>Analyze data in comparison between color morphs</a:t>
+            </a:r>
+          </a:p>
+          <a:p>
+            <a:r>
+              <a:rPr lang="en-US" dirty="0"/>
+              <a:t>N = 203</a:t>
+            </a:r>
+          </a:p>
+        </p:txBody>
+      </p:sp>
+      <p:cxnSp>
+        <p:nvCxnSpPr>
+          <p:cNvPr id="30" name="Straight Arrow Connector 29">
+            <a:extLst>
+              <a:ext uri="{FF2B5EF4-FFF2-40B4-BE49-F238E27FC236}">
+                <a16:creationId xmlns:a16="http://schemas.microsoft.com/office/drawing/2014/main" id="{3232AFCA-824A-967A-67EB-7D1039C1A0A3}"/>
+              </a:ext>
+            </a:extLst>
+          </p:cNvPr>
+          <p:cNvCxnSpPr>
+            <a:cxnSpLocks/>
+            <a:endCxn id="29" idx="1"/>
+          </p:cNvCxnSpPr>
+          <p:nvPr/>
+        </p:nvCxnSpPr>
+        <p:spPr>
+          <a:xfrm>
+            <a:off x="3428333" y="7805933"/>
+            <a:ext cx="581567" cy="0"/>
           </a:xfrm>
           <a:prstGeom prst="straightConnector1">
             <a:avLst/>
@@ -4999,10 +5507,10 @@
       </p:cxnSp>
       <p:sp>
         <p:nvSpPr>
-          <p:cNvPr id="34" name="Subtitle 2">
+          <p:cNvPr id="19" name="Subtitle 2">
             <a:extLst>
               <a:ext uri="{FF2B5EF4-FFF2-40B4-BE49-F238E27FC236}">
-                <a16:creationId xmlns:a16="http://schemas.microsoft.com/office/drawing/2014/main" id="{FA651E3F-E9E6-43F1-AE3C-98F6D23D9570}"/>
+                <a16:creationId xmlns:a16="http://schemas.microsoft.com/office/drawing/2014/main" id="{CB03EFE1-F056-4B71-19A5-9C382D6930F8}"/>
               </a:ext>
             </a:extLst>
           </p:cNvPr>
@@ -5013,8 +5521,8 @@
         </p:nvSpPr>
         <p:spPr>
           <a:xfrm>
-            <a:off x="4031322" y="5706926"/>
-            <a:ext cx="2698607" cy="4691715"/>
+            <a:off x="4000375" y="10241585"/>
+            <a:ext cx="2698607" cy="609573"/>
           </a:xfrm>
           <a:prstGeom prst="rect">
             <a:avLst/>
@@ -5208,61 +5716,60 @@
           <a:p>
             <a:r>
               <a:rPr lang="en-US" dirty="0"/>
-              <a:t>Papers were Removed if they did not include:</a:t>
-            </a:r>
-          </a:p>
-          <a:p>
-            <a:pPr marL="285750" indent="-285750" algn="l">
-              <a:buFontTx/>
-              <a:buChar char="-"/>
-            </a:pPr>
-            <a:r>
-              <a:rPr lang="en-US" dirty="0"/>
-              <a:t>Natural pigment variation within the same species</a:t>
-            </a:r>
-          </a:p>
-          <a:p>
-            <a:pPr marL="285750" indent="-285750" algn="l">
-              <a:buFontTx/>
-              <a:buChar char="-"/>
-            </a:pPr>
-            <a:r>
-              <a:rPr lang="en-US" dirty="0"/>
-              <a:t>Individual measure of both color and aggression against a con-specific (same age, pigment, and sex)</a:t>
-            </a:r>
-          </a:p>
-          <a:p>
-            <a:pPr marL="285750" indent="-285750" algn="l">
-              <a:buFontTx/>
-              <a:buChar char="-"/>
-            </a:pPr>
-            <a:r>
-              <a:rPr lang="en-US" dirty="0"/>
-              <a:t>Report relevant statistics</a:t>
-            </a:r>
-          </a:p>
-          <a:p>
-            <a:pPr marL="285750" indent="-285750" algn="l">
-              <a:buFontTx/>
-              <a:buChar char="-"/>
-            </a:pPr>
-            <a:r>
-              <a:rPr lang="en-US" dirty="0"/>
-              <a:t>Analyze data in comparison between color morphs</a:t>
-            </a:r>
-          </a:p>
-          <a:p>
-            <a:r>
-              <a:rPr lang="en-US" dirty="0"/>
-              <a:t>N = 189</a:t>
-            </a:r>
-          </a:p>
-        </p:txBody>
-      </p:sp>
+              <a:t>Removed Pteridine Paper N = 1</a:t>
+            </a:r>
+          </a:p>
+        </p:txBody>
+      </p:sp>
+      <p:cxnSp>
+        <p:nvCxnSpPr>
+          <p:cNvPr id="23" name="Straight Arrow Connector 22">
+            <a:extLst>
+              <a:ext uri="{FF2B5EF4-FFF2-40B4-BE49-F238E27FC236}">
+                <a16:creationId xmlns:a16="http://schemas.microsoft.com/office/drawing/2014/main" id="{B52B4F11-E9CC-35D9-8A7A-3EB5D8B30AC5}"/>
+              </a:ext>
+            </a:extLst>
+          </p:cNvPr>
+          <p:cNvCxnSpPr>
+            <a:cxnSpLocks/>
+          </p:cNvCxnSpPr>
+          <p:nvPr/>
+        </p:nvCxnSpPr>
+        <p:spPr>
+          <a:xfrm>
+            <a:off x="3414044" y="10570379"/>
+            <a:ext cx="581567" cy="0"/>
+          </a:xfrm>
+          <a:prstGeom prst="straightConnector1">
+            <a:avLst/>
+          </a:prstGeom>
+          <a:ln w="38100">
+            <a:solidFill>
+              <a:schemeClr val="tx1"/>
+            </a:solidFill>
+            <a:prstDash val="dash"/>
+            <a:tailEnd type="triangle"/>
+          </a:ln>
+        </p:spPr>
+        <p:style>
+          <a:lnRef idx="1">
+            <a:schemeClr val="dk1"/>
+          </a:lnRef>
+          <a:fillRef idx="0">
+            <a:schemeClr val="dk1"/>
+          </a:fillRef>
+          <a:effectRef idx="0">
+            <a:schemeClr val="dk1"/>
+          </a:effectRef>
+          <a:fontRef idx="minor">
+            <a:schemeClr val="tx1"/>
+          </a:fontRef>
+        </p:style>
+      </p:cxnSp>
     </p:spTree>
     <p:extLst>
       <p:ext uri="{BB962C8B-B14F-4D97-AF65-F5344CB8AC3E}">
-        <p14:creationId xmlns:p14="http://schemas.microsoft.com/office/powerpoint/2010/main" val="2276739638"/>
+        <p14:creationId xmlns:p14="http://schemas.microsoft.com/office/powerpoint/2010/main" val="2182970058"/>
       </p:ext>
     </p:extLst>
   </p:cSld>
